--- a/module-2/ppt/2.5-Unsupervised Learning.pptx
+++ b/module-2/ppt/2.5-Unsupervised Learning.pptx
@@ -6,25 +6,27 @@
     <p:sldMasterId id="2147483676" r:id="rId2"/>
   </p:sldMasterIdLst>
   <p:notesMasterIdLst>
-    <p:notesMasterId r:id="rId19"/>
+    <p:notesMasterId r:id="rId21"/>
   </p:notesMasterIdLst>
   <p:sldIdLst>
     <p:sldId id="2602" r:id="rId3"/>
-    <p:sldId id="2612" r:id="rId4"/>
-    <p:sldId id="2610" r:id="rId5"/>
-    <p:sldId id="2611" r:id="rId6"/>
-    <p:sldId id="288" r:id="rId7"/>
-    <p:sldId id="289" r:id="rId8"/>
-    <p:sldId id="290" r:id="rId9"/>
-    <p:sldId id="286" r:id="rId10"/>
-    <p:sldId id="304" r:id="rId11"/>
-    <p:sldId id="259" r:id="rId12"/>
-    <p:sldId id="271" r:id="rId13"/>
-    <p:sldId id="2606" r:id="rId14"/>
-    <p:sldId id="2613" r:id="rId15"/>
-    <p:sldId id="2614" r:id="rId16"/>
-    <p:sldId id="2616" r:id="rId17"/>
-    <p:sldId id="2615" r:id="rId18"/>
+    <p:sldId id="330" r:id="rId4"/>
+    <p:sldId id="2608" r:id="rId5"/>
+    <p:sldId id="2612" r:id="rId6"/>
+    <p:sldId id="2610" r:id="rId7"/>
+    <p:sldId id="2611" r:id="rId8"/>
+    <p:sldId id="288" r:id="rId9"/>
+    <p:sldId id="289" r:id="rId10"/>
+    <p:sldId id="290" r:id="rId11"/>
+    <p:sldId id="286" r:id="rId12"/>
+    <p:sldId id="304" r:id="rId13"/>
+    <p:sldId id="259" r:id="rId14"/>
+    <p:sldId id="271" r:id="rId15"/>
+    <p:sldId id="2606" r:id="rId16"/>
+    <p:sldId id="2613" r:id="rId17"/>
+    <p:sldId id="2614" r:id="rId18"/>
+    <p:sldId id="2616" r:id="rId19"/>
+    <p:sldId id="2615" r:id="rId20"/>
   </p:sldIdLst>
   <p:sldSz cx="12192000" cy="6858000"/>
   <p:notesSz cx="6858000" cy="9144000"/>
@@ -123,6 +125,11 @@
       </a:defRPr>
     </a:lvl9pPr>
   </p:defaultTextStyle>
+  <p:extLst>
+    <p:ext uri="{EFAFB233-063F-42B5-8137-9DF3F51BA10A}">
+      <p15:sldGuideLst xmlns:p15="http://schemas.microsoft.com/office/powerpoint/2012/main"/>
+    </p:ext>
+  </p:extLst>
 </p:presentation>
 </file>
 
@@ -208,7 +215,7 @@
           <a:p>
             <a:fld id="{FE783572-DABC-CB47-8E98-F4B982F59C98}" type="datetimeFigureOut">
               <a:rPr lang="en-US" smtClean="0"/>
-              <a:t>10/19/20</a:t>
+              <a:t>11/16/20</a:t>
             </a:fld>
             <a:endParaRPr lang="en-US"/>
           </a:p>
@@ -627,7 +634,7 @@
             <a:fld id="{3A571363-BE90-3D4D-B9A1-B9FD3D54EFCE}" type="slidenum">
               <a:rPr lang="en-US" altLang="en-US"/>
               <a:pPr/>
-              <a:t>5</a:t>
+              <a:t>7</a:t>
             </a:fld>
             <a:endParaRPr lang="en-US" altLang="en-US"/>
           </a:p>
@@ -643,7 +650,7 @@
             </a:extLst>
           </p:cNvPr>
           <p:cNvSpPr>
-            <a:spLocks noRot="1" noChangeArrowheads="1" noTextEdit="1"/>
+            <a:spLocks noGrp="1" noRot="1" noChangeAspect="1" noChangeArrowheads="1" noTextEdit="1"/>
           </p:cNvSpPr>
           <p:nvPr>
             <p:ph type="sldImg"/>
@@ -796,7 +803,7 @@
             <a:fld id="{1579448A-5404-F342-BED0-76BF78D6AF7A}" type="slidenum">
               <a:rPr lang="en-US" altLang="en-US"/>
               <a:pPr/>
-              <a:t>6</a:t>
+              <a:t>8</a:t>
             </a:fld>
             <a:endParaRPr lang="en-US" altLang="en-US"/>
           </a:p>
@@ -812,7 +819,7 @@
             </a:extLst>
           </p:cNvPr>
           <p:cNvSpPr>
-            <a:spLocks noRot="1" noChangeArrowheads="1" noTextEdit="1"/>
+            <a:spLocks noGrp="1" noRot="1" noChangeAspect="1" noChangeArrowheads="1" noTextEdit="1"/>
           </p:cNvSpPr>
           <p:nvPr>
             <p:ph type="sldImg"/>
@@ -944,7 +951,7 @@
             <a:fld id="{708671A4-2E59-224F-BC86-6A72659DF584}" type="slidenum">
               <a:rPr lang="en-US" altLang="en-US"/>
               <a:pPr/>
-              <a:t>8</a:t>
+              <a:t>10</a:t>
             </a:fld>
             <a:endParaRPr lang="en-US" altLang="en-US"/>
           </a:p>
@@ -960,7 +967,7 @@
             </a:extLst>
           </p:cNvPr>
           <p:cNvSpPr>
-            <a:spLocks noRot="1" noChangeArrowheads="1" noTextEdit="1"/>
+            <a:spLocks noGrp="1" noRot="1" noChangeAspect="1" noChangeArrowheads="1" noTextEdit="1"/>
           </p:cNvSpPr>
           <p:nvPr>
             <p:ph type="sldImg"/>
@@ -1059,7 +1066,7 @@
             <a:fld id="{CF0FA602-7DE6-1249-B5CE-B1991E003956}" type="slidenum">
               <a:rPr lang="en-US" altLang="en-US"/>
               <a:pPr/>
-              <a:t>9</a:t>
+              <a:t>11</a:t>
             </a:fld>
             <a:endParaRPr lang="en-US" altLang="en-US"/>
           </a:p>
@@ -1075,7 +1082,7 @@
             </a:extLst>
           </p:cNvPr>
           <p:cNvSpPr>
-            <a:spLocks noRot="1" noChangeArrowheads="1" noTextEdit="1"/>
+            <a:spLocks noGrp="1" noRot="1" noChangeAspect="1" noChangeArrowheads="1" noTextEdit="1"/>
           </p:cNvSpPr>
           <p:nvPr>
             <p:ph type="sldImg"/>
@@ -1198,7 +1205,7 @@
             <a:fld id="{E7495FAB-F9A2-2142-82FE-3BCAC9512A48}" type="slidenum">
               <a:rPr lang="en-US" altLang="en-US"/>
               <a:pPr/>
-              <a:t>10</a:t>
+              <a:t>12</a:t>
             </a:fld>
             <a:endParaRPr lang="en-US" altLang="en-US"/>
           </a:p>
@@ -1214,7 +1221,7 @@
             </a:extLst>
           </p:cNvPr>
           <p:cNvSpPr>
-            <a:spLocks noRot="1" noChangeArrowheads="1" noTextEdit="1"/>
+            <a:spLocks noGrp="1" noRot="1" noChangeAspect="1" noChangeArrowheads="1" noTextEdit="1"/>
           </p:cNvSpPr>
           <p:nvPr>
             <p:ph type="sldImg"/>
@@ -1338,7 +1345,7 @@
             <a:fld id="{F4C97F94-B030-6A41-99E3-78DAC8E30F72}" type="slidenum">
               <a:rPr lang="en-US" altLang="en-US"/>
               <a:pPr/>
-              <a:t>11</a:t>
+              <a:t>13</a:t>
             </a:fld>
             <a:endParaRPr lang="en-US" altLang="en-US"/>
           </a:p>
@@ -1354,7 +1361,7 @@
             </a:extLst>
           </p:cNvPr>
           <p:cNvSpPr>
-            <a:spLocks noRot="1" noChangeArrowheads="1" noTextEdit="1"/>
+            <a:spLocks noGrp="1" noRot="1" noChangeAspect="1" noChangeArrowheads="1" noTextEdit="1"/>
           </p:cNvSpPr>
           <p:nvPr>
             <p:ph type="sldImg"/>
@@ -4205,7 +4212,7 @@
           <a:p>
             <a:fld id="{2AAA8945-93FC-CD4D-85EF-05021FBA20E6}" type="datetimeFigureOut">
               <a:rPr lang="en-US" smtClean="0"/>
-              <a:t>10/19/20</a:t>
+              <a:t>11/16/20</a:t>
             </a:fld>
             <a:endParaRPr lang="en-US"/>
           </a:p>
@@ -4318,7 +4325,7 @@
           <a:p>
             <a:fld id="{2AAA8945-93FC-CD4D-85EF-05021FBA20E6}" type="datetimeFigureOut">
               <a:rPr lang="en-US" smtClean="0"/>
-              <a:t>10/19/20</a:t>
+              <a:t>11/16/20</a:t>
             </a:fld>
             <a:endParaRPr lang="en-US"/>
           </a:p>
@@ -6621,10 +6628,10 @@
       </p:grpSpPr>
       <p:sp>
         <p:nvSpPr>
-          <p:cNvPr id="6" name="Slide Number Placeholder 5">
-            <a:extLst>
-              <a:ext uri="{FF2B5EF4-FFF2-40B4-BE49-F238E27FC236}">
-                <a16:creationId xmlns:a16="http://schemas.microsoft.com/office/drawing/2014/main" id="{690AAE99-B348-FE43-A4D7-9045CD2FB19D}"/>
+          <p:cNvPr id="18" name="Slide Number Placeholder 8">
+            <a:extLst>
+              <a:ext uri="{FF2B5EF4-FFF2-40B4-BE49-F238E27FC236}">
+                <a16:creationId xmlns:a16="http://schemas.microsoft.com/office/drawing/2014/main" id="{B24CB9AF-967F-FF4C-9653-088D96C5ADED}"/>
               </a:ext>
             </a:extLst>
           </p:cNvPr>
@@ -6640,7 +6647,7 @@
           <a:bodyPr/>
           <a:lstStyle/>
           <a:p>
-            <a:fld id="{706444D7-BFE7-6843-89F5-A43A93C3D545}" type="slidenum">
+            <a:fld id="{15EB0140-50D9-4D41-A4FD-FD6E478F35AB}" type="slidenum">
               <a:rPr lang="en-US" altLang="en-US"/>
               <a:pPr/>
               <a:t>10</a:t>
@@ -6651,10 +6658,10 @@
       </p:sp>
       <p:sp>
         <p:nvSpPr>
-          <p:cNvPr id="10242" name="Rectangle 2">
-            <a:extLst>
-              <a:ext uri="{FF2B5EF4-FFF2-40B4-BE49-F238E27FC236}">
-                <a16:creationId xmlns:a16="http://schemas.microsoft.com/office/drawing/2014/main" id="{442506A2-7F23-4248-A4C9-C1E3B4706727}"/>
+          <p:cNvPr id="65538" name="Rectangle 2">
+            <a:extLst>
+              <a:ext uri="{FF2B5EF4-FFF2-40B4-BE49-F238E27FC236}">
+                <a16:creationId xmlns:a16="http://schemas.microsoft.com/office/drawing/2014/main" id="{BC03AA16-EAAF-A440-AA4B-D0B16CA4CA07}"/>
               </a:ext>
             </a:extLst>
           </p:cNvPr>
@@ -6662,199 +6669,695 @@
             <a:spLocks noGrp="1" noChangeArrowheads="1"/>
           </p:cNvSpPr>
           <p:nvPr>
-            <p:ph type="title"/>
+            <p:ph type="title" sz="quarter"/>
           </p:nvPr>
         </p:nvSpPr>
         <p:spPr>
           <a:xfrm>
-            <a:off x="1828800" y="619125"/>
-            <a:ext cx="8153400" cy="685800"/>
+            <a:off x="1971676" y="290514"/>
+            <a:ext cx="8467725" cy="839787"/>
           </a:xfrm>
+          <a:noFill/>
+          <a:ln/>
         </p:spPr>
         <p:txBody>
           <a:bodyPr/>
           <a:lstStyle/>
           <a:p>
             <a:r>
-              <a:rPr lang="en-US" altLang="en-US"/>
-              <a:t>Application: Anomaly Detection</a:t>
+              <a:rPr lang="en-US" altLang="en-US" dirty="0"/>
+              <a:t>Example Traffic Flows</a:t>
             </a:r>
           </a:p>
         </p:txBody>
       </p:sp>
-      <p:sp>
-        <p:nvSpPr>
-          <p:cNvPr id="10243" name="Rectangle 3">
-            <a:extLst>
-              <a:ext uri="{FF2B5EF4-FFF2-40B4-BE49-F238E27FC236}">
-                <a16:creationId xmlns:a16="http://schemas.microsoft.com/office/drawing/2014/main" id="{5EC6056D-3D17-3B40-B6FA-3623692EA2A9}"/>
-              </a:ext>
-            </a:extLst>
-          </p:cNvPr>
-          <p:cNvSpPr>
-            <a:spLocks noGrp="1" noChangeArrowheads="1"/>
-          </p:cNvSpPr>
+      <p:pic>
+        <p:nvPicPr>
+          <p:cNvPr id="65539" name="Picture 3">
+            <a:extLst>
+              <a:ext uri="{FF2B5EF4-FFF2-40B4-BE49-F238E27FC236}">
+                <a16:creationId xmlns:a16="http://schemas.microsoft.com/office/drawing/2014/main" id="{537D3F55-7421-1743-B76B-73EF79069C53}"/>
+              </a:ext>
+            </a:extLst>
+          </p:cNvPr>
+          <p:cNvPicPr>
+            <a:picLocks noGrp="1" noChangeArrowheads="1"/>
+          </p:cNvPicPr>
           <p:nvPr>
-            <p:ph type="body" idx="1"/>
+            <p:ph sz="quarter" idx="1"/>
           </p:nvPr>
-        </p:nvSpPr>
+        </p:nvPicPr>
+        <p:blipFill>
+          <a:blip r:embed="rId3">
+            <a:extLst>
+              <a:ext uri="{28A0092B-C50C-407E-A947-70E740481C1C}">
+                <a14:useLocalDpi xmlns:a14="http://schemas.microsoft.com/office/drawing/2010/main" val="0"/>
+              </a:ext>
+            </a:extLst>
+          </a:blip>
+          <a:srcRect/>
+          <a:stretch>
+            <a:fillRect/>
+          </a:stretch>
+        </p:blipFill>
         <p:spPr>
           <a:xfrm>
-            <a:off x="1816100" y="1568450"/>
-            <a:ext cx="8851900" cy="4648200"/>
+            <a:off x="5999163" y="1120775"/>
+            <a:ext cx="1858962" cy="1493838"/>
           </a:xfrm>
+          <a:noFill/>
+          <a:ln/>
+          <a:extLst>
+            <a:ext uri="{909E8E84-426E-40DD-AFC4-6F175D3DCCD1}">
+              <a14:hiddenFill xmlns:a14="http://schemas.microsoft.com/office/drawing/2010/main">
+                <a:solidFill>
+                  <a:srgbClr val="FFFFFF"/>
+                </a:solidFill>
+              </a14:hiddenFill>
+            </a:ext>
+            <a:ext uri="{91240B29-F687-4F45-9708-019B960494DF}">
+              <a14:hiddenLine xmlns:a14="http://schemas.microsoft.com/office/drawing/2010/main" w="9525">
+                <a:solidFill>
+                  <a:srgbClr val="000000"/>
+                </a:solidFill>
+                <a:miter lim="800000"/>
+                <a:headEnd/>
+                <a:tailEnd/>
+              </a14:hiddenLine>
+            </a:ext>
+            <a:ext uri="{AF507438-7753-43E0-B8FC-AC1667EBCBE1}">
+              <a14:hiddenEffects xmlns:a14="http://schemas.microsoft.com/office/drawing/2010/main">
+                <a:effectLst>
+                  <a:outerShdw dist="35921" dir="2700000" algn="ctr" rotWithShape="0">
+                    <a:srgbClr val="808080"/>
+                  </a:outerShdw>
+                </a:effectLst>
+              </a14:hiddenEffects>
+            </a:ext>
+          </a:extLst>
         </p:spPr>
-        <p:txBody>
-          <a:bodyPr/>
-          <a:lstStyle/>
-          <a:p>
-            <a:pPr marL="533400" indent="-533400">
-              <a:lnSpc>
-                <a:spcPct val="90000"/>
-              </a:lnSpc>
-            </a:pPr>
-            <a:r>
-              <a:rPr lang="en-US" altLang="en-US" sz="2400" b="1"/>
-              <a:t>Is my network experiencing </a:t>
-            </a:r>
-            <a:r>
-              <a:rPr lang="en-US" altLang="en-US" sz="2400" b="1">
+      </p:pic>
+      <p:pic>
+        <p:nvPicPr>
+          <p:cNvPr id="65540" name="Picture 4">
+            <a:extLst>
+              <a:ext uri="{FF2B5EF4-FFF2-40B4-BE49-F238E27FC236}">
+                <a16:creationId xmlns:a16="http://schemas.microsoft.com/office/drawing/2014/main" id="{2865F392-7F69-5A49-8F9B-DB4019F13E0C}"/>
+              </a:ext>
+            </a:extLst>
+          </p:cNvPr>
+          <p:cNvPicPr>
+            <a:picLocks noGrp="1" noChangeArrowheads="1"/>
+          </p:cNvPicPr>
+          <p:nvPr>
+            <p:ph sz="quarter" idx="2"/>
+          </p:nvPr>
+        </p:nvPicPr>
+        <p:blipFill>
+          <a:blip r:embed="rId4">
+            <a:extLst>
+              <a:ext uri="{28A0092B-C50C-407E-A947-70E740481C1C}">
+                <a14:useLocalDpi xmlns:a14="http://schemas.microsoft.com/office/drawing/2010/main" val="0"/>
+              </a:ext>
+            </a:extLst>
+          </a:blip>
+          <a:srcRect/>
+          <a:stretch>
+            <a:fillRect/>
+          </a:stretch>
+        </p:blipFill>
+        <p:spPr>
+          <a:xfrm>
+            <a:off x="2079626" y="1120775"/>
+            <a:ext cx="1858963" cy="1493838"/>
+          </a:xfrm>
+          <a:noFill/>
+          <a:ln/>
+          <a:extLst>
+            <a:ext uri="{909E8E84-426E-40DD-AFC4-6F175D3DCCD1}">
+              <a14:hiddenFill xmlns:a14="http://schemas.microsoft.com/office/drawing/2010/main">
                 <a:solidFill>
-                  <a:srgbClr val="0000FF"/>
+                  <a:srgbClr val="FFFFFF"/>
                 </a:solidFill>
-              </a:rPr>
-              <a:t>unusual</a:t>
-            </a:r>
-            <a:r>
-              <a:rPr lang="en-US" altLang="en-US" sz="2400" b="1"/>
-              <a:t> conditions?</a:t>
-            </a:r>
-            <a:br>
-              <a:rPr lang="en-US" altLang="en-US" sz="2400" b="1"/>
-            </a:br>
-            <a:endParaRPr lang="en-US" altLang="en-US" sz="2400" b="1"/>
-          </a:p>
-          <a:p>
-            <a:pPr marL="533400" indent="-533400">
-              <a:lnSpc>
-                <a:spcPct val="90000"/>
-              </a:lnSpc>
-            </a:pPr>
-            <a:r>
-              <a:rPr lang="en-US" altLang="en-US" sz="2400"/>
-              <a:t>Then, adopt the following framework</a:t>
-            </a:r>
-          </a:p>
-          <a:p>
-            <a:pPr marL="533400" indent="-533400">
-              <a:lnSpc>
-                <a:spcPct val="90000"/>
-              </a:lnSpc>
-            </a:pPr>
-            <a:endParaRPr lang="en-US" altLang="en-US" sz="2400"/>
-          </a:p>
-          <a:p>
-            <a:pPr marL="1295400" lvl="2" indent="-381000">
-              <a:lnSpc>
-                <a:spcPct val="90000"/>
-              </a:lnSpc>
-              <a:buFont typeface="Arial" panose="020B0604020202020204" pitchFamily="34" charset="0"/>
-              <a:buChar char="–"/>
-            </a:pPr>
-            <a:r>
-              <a:rPr lang="en-US" altLang="en-US" b="1">
+              </a14:hiddenFill>
+            </a:ext>
+            <a:ext uri="{91240B29-F687-4F45-9708-019B960494DF}">
+              <a14:hiddenLine xmlns:a14="http://schemas.microsoft.com/office/drawing/2010/main" w="9525">
                 <a:solidFill>
-                  <a:srgbClr val="FF0000"/>
+                  <a:srgbClr val="000000"/>
                 </a:solidFill>
-              </a:rPr>
-              <a:t>Detection</a:t>
-            </a:r>
-            <a:br>
-              <a:rPr lang="en-US" altLang="en-US" b="1">
+                <a:miter lim="800000"/>
+                <a:headEnd/>
+                <a:tailEnd/>
+              </a14:hiddenLine>
+            </a:ext>
+            <a:ext uri="{AF507438-7753-43E0-B8FC-AC1667EBCBE1}">
+              <a14:hiddenEffects xmlns:a14="http://schemas.microsoft.com/office/drawing/2010/main">
+                <a:effectLst>
+                  <a:outerShdw dist="35921" dir="2700000" algn="ctr" rotWithShape="0">
+                    <a:srgbClr val="808080"/>
+                  </a:outerShdw>
+                </a:effectLst>
+              </a14:hiddenEffects>
+            </a:ext>
+          </a:extLst>
+        </p:spPr>
+      </p:pic>
+      <p:pic>
+        <p:nvPicPr>
+          <p:cNvPr id="65541" name="Picture 5">
+            <a:extLst>
+              <a:ext uri="{FF2B5EF4-FFF2-40B4-BE49-F238E27FC236}">
+                <a16:creationId xmlns:a16="http://schemas.microsoft.com/office/drawing/2014/main" id="{A6D9799F-876A-3347-AC9F-693B0C16E332}"/>
+              </a:ext>
+            </a:extLst>
+          </p:cNvPr>
+          <p:cNvPicPr>
+            <a:picLocks noGrp="1" noChangeArrowheads="1"/>
+          </p:cNvPicPr>
+          <p:nvPr>
+            <p:ph sz="quarter" idx="3"/>
+          </p:nvPr>
+        </p:nvPicPr>
+        <p:blipFill>
+          <a:blip r:embed="rId5">
+            <a:extLst>
+              <a:ext uri="{28A0092B-C50C-407E-A947-70E740481C1C}">
+                <a14:useLocalDpi xmlns:a14="http://schemas.microsoft.com/office/drawing/2010/main" val="0"/>
+              </a:ext>
+            </a:extLst>
+          </a:blip>
+          <a:srcRect/>
+          <a:stretch>
+            <a:fillRect/>
+          </a:stretch>
+        </p:blipFill>
+        <p:spPr>
+          <a:xfrm>
+            <a:off x="4356101" y="2692400"/>
+            <a:ext cx="1820863" cy="1493838"/>
+          </a:xfrm>
+          <a:noFill/>
+          <a:ln/>
+          <a:extLst>
+            <a:ext uri="{909E8E84-426E-40DD-AFC4-6F175D3DCCD1}">
+              <a14:hiddenFill xmlns:a14="http://schemas.microsoft.com/office/drawing/2010/main">
                 <a:solidFill>
-                  <a:srgbClr val="FF0000"/>
+                  <a:srgbClr val="FFFFFF"/>
                 </a:solidFill>
-              </a:rPr>
-            </a:br>
-            <a:r>
-              <a:rPr lang="en-US" altLang="en-US"/>
-              <a:t>Is there an unusual event? </a:t>
-            </a:r>
-          </a:p>
-          <a:p>
-            <a:pPr marL="1295400" lvl="2" indent="-381000">
-              <a:lnSpc>
-                <a:spcPct val="90000"/>
-              </a:lnSpc>
-              <a:buFont typeface="Arial" panose="020B0604020202020204" pitchFamily="34" charset="0"/>
-              <a:buChar char="–"/>
-            </a:pPr>
-            <a:endParaRPr lang="en-US" altLang="en-US"/>
-          </a:p>
-          <a:p>
-            <a:pPr marL="1295400" lvl="2" indent="-381000">
-              <a:lnSpc>
-                <a:spcPct val="90000"/>
-              </a:lnSpc>
-              <a:buFont typeface="Arial" panose="020B0604020202020204" pitchFamily="34" charset="0"/>
-              <a:buChar char="–"/>
-            </a:pPr>
-            <a:r>
-              <a:rPr lang="en-US" altLang="en-US" b="1">
+              </a14:hiddenFill>
+            </a:ext>
+            <a:ext uri="{91240B29-F687-4F45-9708-019B960494DF}">
+              <a14:hiddenLine xmlns:a14="http://schemas.microsoft.com/office/drawing/2010/main" w="9525">
                 <a:solidFill>
-                  <a:srgbClr val="FF0000"/>
+                  <a:srgbClr val="000000"/>
                 </a:solidFill>
-              </a:rPr>
-              <a:t>Identification</a:t>
-            </a:r>
-            <a:br>
-              <a:rPr lang="en-US" altLang="en-US" b="1"/>
-            </a:br>
-            <a:r>
-              <a:rPr lang="en-US" altLang="en-US"/>
-              <a:t>Which of the possible explanations fits best?</a:t>
-            </a:r>
-          </a:p>
-          <a:p>
-            <a:pPr marL="1295400" lvl="2" indent="-381000">
-              <a:lnSpc>
-                <a:spcPct val="90000"/>
-              </a:lnSpc>
-              <a:buFont typeface="Arial" panose="020B0604020202020204" pitchFamily="34" charset="0"/>
-              <a:buChar char="–"/>
-            </a:pPr>
-            <a:endParaRPr lang="en-US" altLang="en-US"/>
-          </a:p>
-          <a:p>
-            <a:pPr marL="1295400" lvl="2" indent="-381000">
-              <a:lnSpc>
-                <a:spcPct val="90000"/>
-              </a:lnSpc>
-              <a:buFont typeface="Arial" panose="020B0604020202020204" pitchFamily="34" charset="0"/>
-              <a:buChar char="–"/>
-            </a:pPr>
-            <a:r>
-              <a:rPr lang="en-US" altLang="en-US" b="1">
+                <a:miter lim="800000"/>
+                <a:headEnd/>
+                <a:tailEnd/>
+              </a14:hiddenLine>
+            </a:ext>
+            <a:ext uri="{AF507438-7753-43E0-B8FC-AC1667EBCBE1}">
+              <a14:hiddenEffects xmlns:a14="http://schemas.microsoft.com/office/drawing/2010/main">
+                <a:effectLst>
+                  <a:outerShdw dist="35921" dir="2700000" algn="ctr" rotWithShape="0">
+                    <a:srgbClr val="808080"/>
+                  </a:outerShdw>
+                </a:effectLst>
+              </a14:hiddenEffects>
+            </a:ext>
+          </a:extLst>
+        </p:spPr>
+      </p:pic>
+      <p:pic>
+        <p:nvPicPr>
+          <p:cNvPr id="65543" name="Picture 7">
+            <a:extLst>
+              <a:ext uri="{FF2B5EF4-FFF2-40B4-BE49-F238E27FC236}">
+                <a16:creationId xmlns:a16="http://schemas.microsoft.com/office/drawing/2014/main" id="{62BAB968-1026-B644-BEA6-BCC174F7CD62}"/>
+              </a:ext>
+            </a:extLst>
+          </p:cNvPr>
+          <p:cNvPicPr>
+            <a:picLocks noGrp="1" noChangeArrowheads="1"/>
+          </p:cNvPicPr>
+          <p:nvPr>
+            <p:ph sz="quarter" idx="4"/>
+          </p:nvPr>
+        </p:nvPicPr>
+        <p:blipFill>
+          <a:blip r:embed="rId6">
+            <a:extLst>
+              <a:ext uri="{28A0092B-C50C-407E-A947-70E740481C1C}">
+                <a14:useLocalDpi xmlns:a14="http://schemas.microsoft.com/office/drawing/2010/main" val="0"/>
+              </a:ext>
+            </a:extLst>
+          </a:blip>
+          <a:srcRect/>
+          <a:stretch>
+            <a:fillRect/>
+          </a:stretch>
+        </p:blipFill>
+        <p:spPr>
+          <a:xfrm>
+            <a:off x="2384426" y="2692400"/>
+            <a:ext cx="1858963" cy="1493838"/>
+          </a:xfrm>
+          <a:ln/>
+        </p:spPr>
+      </p:pic>
+      <p:pic>
+        <p:nvPicPr>
+          <p:cNvPr id="65544" name="Picture 8">
+            <a:extLst>
+              <a:ext uri="{FF2B5EF4-FFF2-40B4-BE49-F238E27FC236}">
+                <a16:creationId xmlns:a16="http://schemas.microsoft.com/office/drawing/2014/main" id="{9149649F-37A4-E04C-BB4D-6020FD7BBABE}"/>
+              </a:ext>
+            </a:extLst>
+          </p:cNvPr>
+          <p:cNvPicPr>
+            <a:picLocks noChangeArrowheads="1"/>
+          </p:cNvPicPr>
+          <p:nvPr/>
+        </p:nvPicPr>
+        <p:blipFill>
+          <a:blip r:embed="rId7">
+            <a:extLst>
+              <a:ext uri="{28A0092B-C50C-407E-A947-70E740481C1C}">
+                <a14:useLocalDpi xmlns:a14="http://schemas.microsoft.com/office/drawing/2010/main" val="0"/>
+              </a:ext>
+            </a:extLst>
+          </a:blip>
+          <a:srcRect/>
+          <a:stretch>
+            <a:fillRect/>
+          </a:stretch>
+        </p:blipFill>
+        <p:spPr bwMode="auto">
+          <a:xfrm>
+            <a:off x="7978776" y="1106489"/>
+            <a:ext cx="1858963" cy="1493837"/>
+          </a:xfrm>
+          <a:prstGeom prst="rect">
+            <a:avLst/>
+          </a:prstGeom>
+          <a:noFill/>
+          <a:ln>
+            <a:noFill/>
+          </a:ln>
+          <a:extLst>
+            <a:ext uri="{909E8E84-426E-40DD-AFC4-6F175D3DCCD1}">
+              <a14:hiddenFill xmlns:a14="http://schemas.microsoft.com/office/drawing/2010/main">
                 <a:solidFill>
-                  <a:srgbClr val="FF0000"/>
+                  <a:srgbClr val="FFFFFF"/>
                 </a:solidFill>
-              </a:rPr>
-              <a:t>Quantification</a:t>
-            </a:r>
-            <a:br>
-              <a:rPr lang="en-US" altLang="en-US" b="1"/>
-            </a:br>
-            <a:r>
-              <a:rPr lang="en-US" altLang="en-US"/>
-              <a:t>How serious is the problem?</a:t>
-            </a:r>
-          </a:p>
-        </p:txBody>
-      </p:sp>
+              </a14:hiddenFill>
+            </a:ext>
+            <a:ext uri="{91240B29-F687-4F45-9708-019B960494DF}">
+              <a14:hiddenLine xmlns:a14="http://schemas.microsoft.com/office/drawing/2010/main" w="9525">
+                <a:solidFill>
+                  <a:srgbClr val="000000"/>
+                </a:solidFill>
+                <a:miter lim="800000"/>
+                <a:headEnd/>
+                <a:tailEnd/>
+              </a14:hiddenLine>
+            </a:ext>
+          </a:extLst>
+        </p:spPr>
+      </p:pic>
+      <p:pic>
+        <p:nvPicPr>
+          <p:cNvPr id="65545" name="Picture 9">
+            <a:extLst>
+              <a:ext uri="{FF2B5EF4-FFF2-40B4-BE49-F238E27FC236}">
+                <a16:creationId xmlns:a16="http://schemas.microsoft.com/office/drawing/2014/main" id="{378B07E3-83CC-654C-8B51-E6F7138E6E7B}"/>
+              </a:ext>
+            </a:extLst>
+          </p:cNvPr>
+          <p:cNvPicPr>
+            <a:picLocks noChangeArrowheads="1"/>
+          </p:cNvPicPr>
+          <p:nvPr/>
+        </p:nvPicPr>
+        <p:blipFill>
+          <a:blip r:embed="rId8">
+            <a:extLst>
+              <a:ext uri="{28A0092B-C50C-407E-A947-70E740481C1C}">
+                <a14:useLocalDpi xmlns:a14="http://schemas.microsoft.com/office/drawing/2010/main" val="0"/>
+              </a:ext>
+            </a:extLst>
+          </a:blip>
+          <a:srcRect/>
+          <a:stretch>
+            <a:fillRect/>
+          </a:stretch>
+        </p:blipFill>
+        <p:spPr bwMode="auto">
+          <a:xfrm>
+            <a:off x="6037263" y="2692400"/>
+            <a:ext cx="1820862" cy="1493838"/>
+          </a:xfrm>
+          <a:prstGeom prst="rect">
+            <a:avLst/>
+          </a:prstGeom>
+          <a:noFill/>
+          <a:ln>
+            <a:noFill/>
+          </a:ln>
+          <a:extLst>
+            <a:ext uri="{909E8E84-426E-40DD-AFC4-6F175D3DCCD1}">
+              <a14:hiddenFill xmlns:a14="http://schemas.microsoft.com/office/drawing/2010/main">
+                <a:solidFill>
+                  <a:srgbClr val="FFFFFF"/>
+                </a:solidFill>
+              </a14:hiddenFill>
+            </a:ext>
+            <a:ext uri="{91240B29-F687-4F45-9708-019B960494DF}">
+              <a14:hiddenLine xmlns:a14="http://schemas.microsoft.com/office/drawing/2010/main" w="9525">
+                <a:solidFill>
+                  <a:srgbClr val="000000"/>
+                </a:solidFill>
+                <a:miter lim="800000"/>
+                <a:headEnd/>
+                <a:tailEnd/>
+              </a14:hiddenLine>
+            </a:ext>
+          </a:extLst>
+        </p:spPr>
+      </p:pic>
+      <p:pic>
+        <p:nvPicPr>
+          <p:cNvPr id="65546" name="Picture 10">
+            <a:extLst>
+              <a:ext uri="{FF2B5EF4-FFF2-40B4-BE49-F238E27FC236}">
+                <a16:creationId xmlns:a16="http://schemas.microsoft.com/office/drawing/2014/main" id="{999FAB7E-2A90-E244-A168-0D00FDE7F298}"/>
+              </a:ext>
+            </a:extLst>
+          </p:cNvPr>
+          <p:cNvPicPr>
+            <a:picLocks noChangeArrowheads="1"/>
+          </p:cNvPicPr>
+          <p:nvPr/>
+        </p:nvPicPr>
+        <p:blipFill>
+          <a:blip r:embed="rId9">
+            <a:extLst>
+              <a:ext uri="{28A0092B-C50C-407E-A947-70E740481C1C}">
+                <a14:useLocalDpi xmlns:a14="http://schemas.microsoft.com/office/drawing/2010/main" val="0"/>
+              </a:ext>
+            </a:extLst>
+          </a:blip>
+          <a:srcRect/>
+          <a:stretch>
+            <a:fillRect/>
+          </a:stretch>
+        </p:blipFill>
+        <p:spPr bwMode="auto">
+          <a:xfrm>
+            <a:off x="5980113" y="4289425"/>
+            <a:ext cx="1885950" cy="1493838"/>
+          </a:xfrm>
+          <a:prstGeom prst="rect">
+            <a:avLst/>
+          </a:prstGeom>
+          <a:noFill/>
+          <a:ln>
+            <a:noFill/>
+          </a:ln>
+          <a:extLst>
+            <a:ext uri="{909E8E84-426E-40DD-AFC4-6F175D3DCCD1}">
+              <a14:hiddenFill xmlns:a14="http://schemas.microsoft.com/office/drawing/2010/main">
+                <a:solidFill>
+                  <a:srgbClr val="FFFFFF"/>
+                </a:solidFill>
+              </a14:hiddenFill>
+            </a:ext>
+            <a:ext uri="{91240B29-F687-4F45-9708-019B960494DF}">
+              <a14:hiddenLine xmlns:a14="http://schemas.microsoft.com/office/drawing/2010/main" w="9525">
+                <a:solidFill>
+                  <a:srgbClr val="000000"/>
+                </a:solidFill>
+                <a:miter lim="800000"/>
+                <a:headEnd/>
+                <a:tailEnd/>
+              </a14:hiddenLine>
+            </a:ext>
+          </a:extLst>
+        </p:spPr>
+      </p:pic>
+      <p:pic>
+        <p:nvPicPr>
+          <p:cNvPr id="65547" name="Picture 11">
+            <a:extLst>
+              <a:ext uri="{FF2B5EF4-FFF2-40B4-BE49-F238E27FC236}">
+                <a16:creationId xmlns:a16="http://schemas.microsoft.com/office/drawing/2014/main" id="{0F62A11C-9D86-5F4A-879C-55E205D57556}"/>
+              </a:ext>
+            </a:extLst>
+          </p:cNvPr>
+          <p:cNvPicPr>
+            <a:picLocks noChangeArrowheads="1"/>
+          </p:cNvPicPr>
+          <p:nvPr/>
+        </p:nvPicPr>
+        <p:blipFill>
+          <a:blip r:embed="rId10">
+            <a:extLst>
+              <a:ext uri="{28A0092B-C50C-407E-A947-70E740481C1C}">
+                <a14:useLocalDpi xmlns:a14="http://schemas.microsoft.com/office/drawing/2010/main" val="0"/>
+              </a:ext>
+            </a:extLst>
+          </a:blip>
+          <a:srcRect/>
+          <a:stretch>
+            <a:fillRect/>
+          </a:stretch>
+        </p:blipFill>
+        <p:spPr bwMode="auto">
+          <a:xfrm>
+            <a:off x="8012113" y="2701925"/>
+            <a:ext cx="1858962" cy="1493838"/>
+          </a:xfrm>
+          <a:prstGeom prst="rect">
+            <a:avLst/>
+          </a:prstGeom>
+          <a:noFill/>
+          <a:ln>
+            <a:noFill/>
+          </a:ln>
+          <a:extLst>
+            <a:ext uri="{909E8E84-426E-40DD-AFC4-6F175D3DCCD1}">
+              <a14:hiddenFill xmlns:a14="http://schemas.microsoft.com/office/drawing/2010/main">
+                <a:solidFill>
+                  <a:srgbClr val="FFFFFF"/>
+                </a:solidFill>
+              </a14:hiddenFill>
+            </a:ext>
+            <a:ext uri="{91240B29-F687-4F45-9708-019B960494DF}">
+              <a14:hiddenLine xmlns:a14="http://schemas.microsoft.com/office/drawing/2010/main" w="9525">
+                <a:solidFill>
+                  <a:srgbClr val="000000"/>
+                </a:solidFill>
+                <a:miter lim="800000"/>
+                <a:headEnd/>
+                <a:tailEnd/>
+              </a14:hiddenLine>
+            </a:ext>
+          </a:extLst>
+        </p:spPr>
+      </p:pic>
+      <p:pic>
+        <p:nvPicPr>
+          <p:cNvPr id="65548" name="Picture 12">
+            <a:extLst>
+              <a:ext uri="{FF2B5EF4-FFF2-40B4-BE49-F238E27FC236}">
+                <a16:creationId xmlns:a16="http://schemas.microsoft.com/office/drawing/2014/main" id="{60F0C75D-0AD1-B148-9582-793078F01821}"/>
+              </a:ext>
+            </a:extLst>
+          </p:cNvPr>
+          <p:cNvPicPr>
+            <a:picLocks noChangeAspect="1" noChangeArrowheads="1"/>
+          </p:cNvPicPr>
+          <p:nvPr/>
+        </p:nvPicPr>
+        <p:blipFill>
+          <a:blip r:embed="rId11">
+            <a:extLst>
+              <a:ext uri="{28A0092B-C50C-407E-A947-70E740481C1C}">
+                <a14:useLocalDpi xmlns:a14="http://schemas.microsoft.com/office/drawing/2010/main" val="0"/>
+              </a:ext>
+            </a:extLst>
+          </a:blip>
+          <a:srcRect/>
+          <a:stretch>
+            <a:fillRect/>
+          </a:stretch>
+        </p:blipFill>
+        <p:spPr bwMode="auto">
+          <a:xfrm>
+            <a:off x="2079626" y="4273550"/>
+            <a:ext cx="1858963" cy="1493838"/>
+          </a:xfrm>
+          <a:prstGeom prst="rect">
+            <a:avLst/>
+          </a:prstGeom>
+          <a:noFill/>
+          <a:extLst>
+            <a:ext uri="{909E8E84-426E-40DD-AFC4-6F175D3DCCD1}">
+              <a14:hiddenFill xmlns:a14="http://schemas.microsoft.com/office/drawing/2010/main">
+                <a:solidFill>
+                  <a:srgbClr val="FFFFFF"/>
+                </a:solidFill>
+              </a14:hiddenFill>
+            </a:ext>
+          </a:extLst>
+        </p:spPr>
+      </p:pic>
+      <p:pic>
+        <p:nvPicPr>
+          <p:cNvPr id="65549" name="Picture 13">
+            <a:extLst>
+              <a:ext uri="{FF2B5EF4-FFF2-40B4-BE49-F238E27FC236}">
+                <a16:creationId xmlns:a16="http://schemas.microsoft.com/office/drawing/2014/main" id="{907F22BC-2650-974D-9962-0F9EFB54B367}"/>
+              </a:ext>
+            </a:extLst>
+          </p:cNvPr>
+          <p:cNvPicPr>
+            <a:picLocks noChangeAspect="1" noChangeArrowheads="1"/>
+          </p:cNvPicPr>
+          <p:nvPr/>
+        </p:nvPicPr>
+        <p:blipFill>
+          <a:blip r:embed="rId12">
+            <a:extLst>
+              <a:ext uri="{28A0092B-C50C-407E-A947-70E740481C1C}">
+                <a14:useLocalDpi xmlns:a14="http://schemas.microsoft.com/office/drawing/2010/main" val="0"/>
+              </a:ext>
+            </a:extLst>
+          </a:blip>
+          <a:srcRect/>
+          <a:stretch>
+            <a:fillRect/>
+          </a:stretch>
+        </p:blipFill>
+        <p:spPr bwMode="auto">
+          <a:xfrm>
+            <a:off x="7964488" y="4287839"/>
+            <a:ext cx="1858962" cy="1493837"/>
+          </a:xfrm>
+          <a:prstGeom prst="rect">
+            <a:avLst/>
+          </a:prstGeom>
+          <a:noFill/>
+          <a:extLst>
+            <a:ext uri="{909E8E84-426E-40DD-AFC4-6F175D3DCCD1}">
+              <a14:hiddenFill xmlns:a14="http://schemas.microsoft.com/office/drawing/2010/main">
+                <a:solidFill>
+                  <a:srgbClr val="FFFFFF"/>
+                </a:solidFill>
+              </a14:hiddenFill>
+            </a:ext>
+          </a:extLst>
+        </p:spPr>
+      </p:pic>
+      <p:pic>
+        <p:nvPicPr>
+          <p:cNvPr id="65550" name="Picture 14">
+            <a:extLst>
+              <a:ext uri="{FF2B5EF4-FFF2-40B4-BE49-F238E27FC236}">
+                <a16:creationId xmlns:a16="http://schemas.microsoft.com/office/drawing/2014/main" id="{BAFF40FE-200B-B74F-85B5-75E78CD2BDD3}"/>
+              </a:ext>
+            </a:extLst>
+          </p:cNvPr>
+          <p:cNvPicPr>
+            <a:picLocks noChangeAspect="1" noChangeArrowheads="1"/>
+          </p:cNvPicPr>
+          <p:nvPr/>
+        </p:nvPicPr>
+        <p:blipFill>
+          <a:blip r:embed="rId13">
+            <a:extLst>
+              <a:ext uri="{28A0092B-C50C-407E-A947-70E740481C1C}">
+                <a14:useLocalDpi xmlns:a14="http://schemas.microsoft.com/office/drawing/2010/main" val="0"/>
+              </a:ext>
+            </a:extLst>
+          </a:blip>
+          <a:srcRect/>
+          <a:stretch>
+            <a:fillRect/>
+          </a:stretch>
+        </p:blipFill>
+        <p:spPr bwMode="auto">
+          <a:xfrm>
+            <a:off x="4060826" y="4279900"/>
+            <a:ext cx="1858963" cy="1493838"/>
+          </a:xfrm>
+          <a:prstGeom prst="rect">
+            <a:avLst/>
+          </a:prstGeom>
+          <a:noFill/>
+          <a:extLst>
+            <a:ext uri="{909E8E84-426E-40DD-AFC4-6F175D3DCCD1}">
+              <a14:hiddenFill xmlns:a14="http://schemas.microsoft.com/office/drawing/2010/main">
+                <a:solidFill>
+                  <a:srgbClr val="FFFFFF"/>
+                </a:solidFill>
+              </a14:hiddenFill>
+            </a:ext>
+          </a:extLst>
+        </p:spPr>
+      </p:pic>
+      <p:pic>
+        <p:nvPicPr>
+          <p:cNvPr id="65551" name="Picture 15">
+            <a:extLst>
+              <a:ext uri="{FF2B5EF4-FFF2-40B4-BE49-F238E27FC236}">
+                <a16:creationId xmlns:a16="http://schemas.microsoft.com/office/drawing/2014/main" id="{803D95D6-8A0E-3249-BA5A-AB5A5CA17D18}"/>
+              </a:ext>
+            </a:extLst>
+          </p:cNvPr>
+          <p:cNvPicPr>
+            <a:picLocks noChangeAspect="1" noChangeArrowheads="1"/>
+          </p:cNvPicPr>
+          <p:nvPr/>
+        </p:nvPicPr>
+        <p:blipFill>
+          <a:blip r:embed="rId14">
+            <a:extLst>
+              <a:ext uri="{28A0092B-C50C-407E-A947-70E740481C1C}">
+                <a14:useLocalDpi xmlns:a14="http://schemas.microsoft.com/office/drawing/2010/main" val="0"/>
+              </a:ext>
+            </a:extLst>
+          </a:blip>
+          <a:srcRect/>
+          <a:stretch>
+            <a:fillRect/>
+          </a:stretch>
+        </p:blipFill>
+        <p:spPr bwMode="auto">
+          <a:xfrm>
+            <a:off x="4022726" y="1120775"/>
+            <a:ext cx="1858963" cy="1493838"/>
+          </a:xfrm>
+          <a:prstGeom prst="rect">
+            <a:avLst/>
+          </a:prstGeom>
+          <a:noFill/>
+          <a:extLst>
+            <a:ext uri="{909E8E84-426E-40DD-AFC4-6F175D3DCCD1}">
+              <a14:hiddenFill xmlns:a14="http://schemas.microsoft.com/office/drawing/2010/main">
+                <a:solidFill>
+                  <a:srgbClr val="FFFFFF"/>
+                </a:solidFill>
+              </a14:hiddenFill>
+            </a:ext>
+          </a:extLst>
+        </p:spPr>
+      </p:pic>
     </p:spTree>
     <p:extLst>
       <p:ext uri="{BB962C8B-B14F-4D97-AF65-F5344CB8AC3E}">
-        <p14:creationId xmlns:p14="http://schemas.microsoft.com/office/powerpoint/2010/main" val="4257071422"/>
+        <p14:creationId xmlns:p14="http://schemas.microsoft.com/office/powerpoint/2010/main" val="2107371026"/>
       </p:ext>
     </p:extLst>
   </p:cSld>
@@ -6883,10 +7386,10 @@
       </p:grpSpPr>
       <p:sp>
         <p:nvSpPr>
-          <p:cNvPr id="16" name="Slide Number Placeholder 5">
-            <a:extLst>
-              <a:ext uri="{FF2B5EF4-FFF2-40B4-BE49-F238E27FC236}">
-                <a16:creationId xmlns:a16="http://schemas.microsoft.com/office/drawing/2014/main" id="{33AED6A5-C3A8-104F-A6F0-21C97017FC47}"/>
+          <p:cNvPr id="7" name="Slide Number Placeholder 5">
+            <a:extLst>
+              <a:ext uri="{FF2B5EF4-FFF2-40B4-BE49-F238E27FC236}">
+                <a16:creationId xmlns:a16="http://schemas.microsoft.com/office/drawing/2014/main" id="{50562C8B-C20A-C64B-A375-D0D7CCE149DB}"/>
               </a:ext>
             </a:extLst>
           </p:cNvPr>
@@ -6902,10 +7405,404 @@
           <a:bodyPr/>
           <a:lstStyle/>
           <a:p>
+            <a:fld id="{A654F7F9-6D07-E24A-B7CF-BABC3DE3051C}" type="slidenum">
+              <a:rPr lang="en-US" altLang="en-US"/>
+              <a:pPr/>
+              <a:t>11</a:t>
+            </a:fld>
+            <a:endParaRPr lang="en-US" altLang="en-US"/>
+          </a:p>
+        </p:txBody>
+      </p:sp>
+      <p:sp>
+        <p:nvSpPr>
+          <p:cNvPr id="93186" name="Rectangle 2">
+            <a:extLst>
+              <a:ext uri="{FF2B5EF4-FFF2-40B4-BE49-F238E27FC236}">
+                <a16:creationId xmlns:a16="http://schemas.microsoft.com/office/drawing/2014/main" id="{B3F22F4C-3976-AB4E-9D78-2FF8F1874903}"/>
+              </a:ext>
+            </a:extLst>
+          </p:cNvPr>
+          <p:cNvSpPr>
+            <a:spLocks noGrp="1" noChangeArrowheads="1"/>
+          </p:cNvSpPr>
+          <p:nvPr>
+            <p:ph type="title"/>
+          </p:nvPr>
+        </p:nvSpPr>
+        <p:spPr>
+          <a:xfrm>
+            <a:off x="684857" y="196502"/>
+            <a:ext cx="8531225" cy="1143000"/>
+          </a:xfrm>
+        </p:spPr>
+        <p:txBody>
+          <a:bodyPr/>
+          <a:lstStyle/>
+          <a:p>
+            <a:r>
+              <a:rPr lang="en-US" altLang="en-US" sz="3200" dirty="0"/>
+              <a:t>Dimensionality Reduction on Traffic Flows</a:t>
+            </a:r>
+          </a:p>
+        </p:txBody>
+      </p:sp>
+      <p:pic>
+        <p:nvPicPr>
+          <p:cNvPr id="93187" name="Picture 3">
+            <a:extLst>
+              <a:ext uri="{FF2B5EF4-FFF2-40B4-BE49-F238E27FC236}">
+                <a16:creationId xmlns:a16="http://schemas.microsoft.com/office/drawing/2014/main" id="{0C6430C8-5ECC-8641-B70C-FB0C740C96F6}"/>
+              </a:ext>
+            </a:extLst>
+          </p:cNvPr>
+          <p:cNvPicPr>
+            <a:picLocks noGrp="1" noChangeAspect="1" noChangeArrowheads="1"/>
+          </p:cNvPicPr>
+          <p:nvPr>
+            <p:ph idx="1"/>
+          </p:nvPr>
+        </p:nvPicPr>
+        <p:blipFill>
+          <a:blip r:embed="rId3">
+            <a:lum contrast="40000"/>
+            <a:extLst>
+              <a:ext uri="{28A0092B-C50C-407E-A947-70E740481C1C}">
+                <a14:useLocalDpi xmlns:a14="http://schemas.microsoft.com/office/drawing/2010/main" val="0"/>
+              </a:ext>
+            </a:extLst>
+          </a:blip>
+          <a:srcRect/>
+          <a:stretch>
+            <a:fillRect/>
+          </a:stretch>
+        </p:blipFill>
+        <p:spPr>
+          <a:xfrm>
+            <a:off x="1905000" y="1524000"/>
+            <a:ext cx="7311082" cy="4407507"/>
+          </a:xfrm>
+          <a:noFill/>
+          <a:ln/>
+        </p:spPr>
+      </p:pic>
+    </p:spTree>
+    <p:extLst>
+      <p:ext uri="{BB962C8B-B14F-4D97-AF65-F5344CB8AC3E}">
+        <p14:creationId xmlns:p14="http://schemas.microsoft.com/office/powerpoint/2010/main" val="1007544766"/>
+      </p:ext>
+    </p:extLst>
+  </p:cSld>
+  <p:clrMapOvr>
+    <a:masterClrMapping/>
+  </p:clrMapOvr>
+</p:sld>
+</file>
+
+<file path=ppt/slides/slide12.xml><?xml version="1.0" encoding="utf-8"?>
+<p:sld xmlns:a="http://schemas.openxmlformats.org/drawingml/2006/main" xmlns:r="http://schemas.openxmlformats.org/officeDocument/2006/relationships" xmlns:p="http://schemas.openxmlformats.org/presentationml/2006/main">
+  <p:cSld>
+    <p:spTree>
+      <p:nvGrpSpPr>
+        <p:cNvPr id="1" name=""/>
+        <p:cNvGrpSpPr/>
+        <p:nvPr/>
+      </p:nvGrpSpPr>
+      <p:grpSpPr>
+        <a:xfrm>
+          <a:off x="0" y="0"/>
+          <a:ext cx="0" cy="0"/>
+          <a:chOff x="0" y="0"/>
+          <a:chExt cx="0" cy="0"/>
+        </a:xfrm>
+      </p:grpSpPr>
+      <p:sp>
+        <p:nvSpPr>
+          <p:cNvPr id="6" name="Slide Number Placeholder 5">
+            <a:extLst>
+              <a:ext uri="{FF2B5EF4-FFF2-40B4-BE49-F238E27FC236}">
+                <a16:creationId xmlns:a16="http://schemas.microsoft.com/office/drawing/2014/main" id="{690AAE99-B348-FE43-A4D7-9045CD2FB19D}"/>
+              </a:ext>
+            </a:extLst>
+          </p:cNvPr>
+          <p:cNvSpPr>
+            <a:spLocks noGrp="1"/>
+          </p:cNvSpPr>
+          <p:nvPr>
+            <p:ph type="sldNum" sz="quarter" idx="12"/>
+          </p:nvPr>
+        </p:nvSpPr>
+        <p:spPr/>
+        <p:txBody>
+          <a:bodyPr/>
+          <a:lstStyle/>
+          <a:p>
+            <a:fld id="{706444D7-BFE7-6843-89F5-A43A93C3D545}" type="slidenum">
+              <a:rPr lang="en-US" altLang="en-US"/>
+              <a:pPr/>
+              <a:t>12</a:t>
+            </a:fld>
+            <a:endParaRPr lang="en-US" altLang="en-US"/>
+          </a:p>
+        </p:txBody>
+      </p:sp>
+      <p:sp>
+        <p:nvSpPr>
+          <p:cNvPr id="10242" name="Rectangle 2">
+            <a:extLst>
+              <a:ext uri="{FF2B5EF4-FFF2-40B4-BE49-F238E27FC236}">
+                <a16:creationId xmlns:a16="http://schemas.microsoft.com/office/drawing/2014/main" id="{442506A2-7F23-4248-A4C9-C1E3B4706727}"/>
+              </a:ext>
+            </a:extLst>
+          </p:cNvPr>
+          <p:cNvSpPr>
+            <a:spLocks noGrp="1" noChangeArrowheads="1"/>
+          </p:cNvSpPr>
+          <p:nvPr>
+            <p:ph type="title"/>
+          </p:nvPr>
+        </p:nvSpPr>
+        <p:spPr>
+          <a:xfrm>
+            <a:off x="1828800" y="619125"/>
+            <a:ext cx="8153400" cy="685800"/>
+          </a:xfrm>
+        </p:spPr>
+        <p:txBody>
+          <a:bodyPr/>
+          <a:lstStyle/>
+          <a:p>
+            <a:r>
+              <a:rPr lang="en-US" altLang="en-US"/>
+              <a:t>Application: Anomaly Detection</a:t>
+            </a:r>
+          </a:p>
+        </p:txBody>
+      </p:sp>
+      <p:sp>
+        <p:nvSpPr>
+          <p:cNvPr id="10243" name="Rectangle 3">
+            <a:extLst>
+              <a:ext uri="{FF2B5EF4-FFF2-40B4-BE49-F238E27FC236}">
+                <a16:creationId xmlns:a16="http://schemas.microsoft.com/office/drawing/2014/main" id="{5EC6056D-3D17-3B40-B6FA-3623692EA2A9}"/>
+              </a:ext>
+            </a:extLst>
+          </p:cNvPr>
+          <p:cNvSpPr>
+            <a:spLocks noGrp="1" noChangeArrowheads="1"/>
+          </p:cNvSpPr>
+          <p:nvPr>
+            <p:ph type="body" idx="1"/>
+          </p:nvPr>
+        </p:nvSpPr>
+        <p:spPr>
+          <a:xfrm>
+            <a:off x="1816100" y="1568450"/>
+            <a:ext cx="8851900" cy="4648200"/>
+          </a:xfrm>
+        </p:spPr>
+        <p:txBody>
+          <a:bodyPr/>
+          <a:lstStyle/>
+          <a:p>
+            <a:pPr marL="533400" indent="-533400">
+              <a:lnSpc>
+                <a:spcPct val="90000"/>
+              </a:lnSpc>
+            </a:pPr>
+            <a:r>
+              <a:rPr lang="en-US" altLang="en-US" sz="2400" b="1"/>
+              <a:t>Is my network experiencing </a:t>
+            </a:r>
+            <a:r>
+              <a:rPr lang="en-US" altLang="en-US" sz="2400" b="1">
+                <a:solidFill>
+                  <a:srgbClr val="0000FF"/>
+                </a:solidFill>
+              </a:rPr>
+              <a:t>unusual</a:t>
+            </a:r>
+            <a:r>
+              <a:rPr lang="en-US" altLang="en-US" sz="2400" b="1"/>
+              <a:t> conditions?</a:t>
+            </a:r>
+            <a:br>
+              <a:rPr lang="en-US" altLang="en-US" sz="2400" b="1"/>
+            </a:br>
+            <a:endParaRPr lang="en-US" altLang="en-US" sz="2400" b="1"/>
+          </a:p>
+          <a:p>
+            <a:pPr marL="533400" indent="-533400">
+              <a:lnSpc>
+                <a:spcPct val="90000"/>
+              </a:lnSpc>
+            </a:pPr>
+            <a:r>
+              <a:rPr lang="en-US" altLang="en-US" sz="2400"/>
+              <a:t>Then, adopt the following framework</a:t>
+            </a:r>
+          </a:p>
+          <a:p>
+            <a:pPr marL="533400" indent="-533400">
+              <a:lnSpc>
+                <a:spcPct val="90000"/>
+              </a:lnSpc>
+            </a:pPr>
+            <a:endParaRPr lang="en-US" altLang="en-US" sz="2400"/>
+          </a:p>
+          <a:p>
+            <a:pPr marL="1295400" lvl="2" indent="-381000">
+              <a:lnSpc>
+                <a:spcPct val="90000"/>
+              </a:lnSpc>
+              <a:buFont typeface="Arial" panose="020B0604020202020204" pitchFamily="34" charset="0"/>
+              <a:buChar char="–"/>
+            </a:pPr>
+            <a:r>
+              <a:rPr lang="en-US" altLang="en-US" b="1">
+                <a:solidFill>
+                  <a:srgbClr val="FF0000"/>
+                </a:solidFill>
+              </a:rPr>
+              <a:t>Detection</a:t>
+            </a:r>
+            <a:br>
+              <a:rPr lang="en-US" altLang="en-US" b="1">
+                <a:solidFill>
+                  <a:srgbClr val="FF0000"/>
+                </a:solidFill>
+              </a:rPr>
+            </a:br>
+            <a:r>
+              <a:rPr lang="en-US" altLang="en-US"/>
+              <a:t>Is there an unusual event? </a:t>
+            </a:r>
+          </a:p>
+          <a:p>
+            <a:pPr marL="1295400" lvl="2" indent="-381000">
+              <a:lnSpc>
+                <a:spcPct val="90000"/>
+              </a:lnSpc>
+              <a:buFont typeface="Arial" panose="020B0604020202020204" pitchFamily="34" charset="0"/>
+              <a:buChar char="–"/>
+            </a:pPr>
+            <a:endParaRPr lang="en-US" altLang="en-US"/>
+          </a:p>
+          <a:p>
+            <a:pPr marL="1295400" lvl="2" indent="-381000">
+              <a:lnSpc>
+                <a:spcPct val="90000"/>
+              </a:lnSpc>
+              <a:buFont typeface="Arial" panose="020B0604020202020204" pitchFamily="34" charset="0"/>
+              <a:buChar char="–"/>
+            </a:pPr>
+            <a:r>
+              <a:rPr lang="en-US" altLang="en-US" b="1">
+                <a:solidFill>
+                  <a:srgbClr val="FF0000"/>
+                </a:solidFill>
+              </a:rPr>
+              <a:t>Identification</a:t>
+            </a:r>
+            <a:br>
+              <a:rPr lang="en-US" altLang="en-US" b="1"/>
+            </a:br>
+            <a:r>
+              <a:rPr lang="en-US" altLang="en-US"/>
+              <a:t>Which of the possible explanations fits best?</a:t>
+            </a:r>
+          </a:p>
+          <a:p>
+            <a:pPr marL="1295400" lvl="2" indent="-381000">
+              <a:lnSpc>
+                <a:spcPct val="90000"/>
+              </a:lnSpc>
+              <a:buFont typeface="Arial" panose="020B0604020202020204" pitchFamily="34" charset="0"/>
+              <a:buChar char="–"/>
+            </a:pPr>
+            <a:endParaRPr lang="en-US" altLang="en-US"/>
+          </a:p>
+          <a:p>
+            <a:pPr marL="1295400" lvl="2" indent="-381000">
+              <a:lnSpc>
+                <a:spcPct val="90000"/>
+              </a:lnSpc>
+              <a:buFont typeface="Arial" panose="020B0604020202020204" pitchFamily="34" charset="0"/>
+              <a:buChar char="–"/>
+            </a:pPr>
+            <a:r>
+              <a:rPr lang="en-US" altLang="en-US" b="1">
+                <a:solidFill>
+                  <a:srgbClr val="FF0000"/>
+                </a:solidFill>
+              </a:rPr>
+              <a:t>Quantification</a:t>
+            </a:r>
+            <a:br>
+              <a:rPr lang="en-US" altLang="en-US" b="1"/>
+            </a:br>
+            <a:r>
+              <a:rPr lang="en-US" altLang="en-US"/>
+              <a:t>How serious is the problem?</a:t>
+            </a:r>
+          </a:p>
+        </p:txBody>
+      </p:sp>
+    </p:spTree>
+    <p:extLst>
+      <p:ext uri="{BB962C8B-B14F-4D97-AF65-F5344CB8AC3E}">
+        <p14:creationId xmlns:p14="http://schemas.microsoft.com/office/powerpoint/2010/main" val="4257071422"/>
+      </p:ext>
+    </p:extLst>
+  </p:cSld>
+  <p:clrMapOvr>
+    <a:masterClrMapping/>
+  </p:clrMapOvr>
+</p:sld>
+</file>
+
+<file path=ppt/slides/slide13.xml><?xml version="1.0" encoding="utf-8"?>
+<p:sld xmlns:a="http://schemas.openxmlformats.org/drawingml/2006/main" xmlns:r="http://schemas.openxmlformats.org/officeDocument/2006/relationships" xmlns:p="http://schemas.openxmlformats.org/presentationml/2006/main">
+  <p:cSld>
+    <p:spTree>
+      <p:nvGrpSpPr>
+        <p:cNvPr id="1" name=""/>
+        <p:cNvGrpSpPr/>
+        <p:nvPr/>
+      </p:nvGrpSpPr>
+      <p:grpSpPr>
+        <a:xfrm>
+          <a:off x="0" y="0"/>
+          <a:ext cx="0" cy="0"/>
+          <a:chOff x="0" y="0"/>
+          <a:chExt cx="0" cy="0"/>
+        </a:xfrm>
+      </p:grpSpPr>
+      <p:sp>
+        <p:nvSpPr>
+          <p:cNvPr id="16" name="Slide Number Placeholder 5">
+            <a:extLst>
+              <a:ext uri="{FF2B5EF4-FFF2-40B4-BE49-F238E27FC236}">
+                <a16:creationId xmlns:a16="http://schemas.microsoft.com/office/drawing/2014/main" id="{33AED6A5-C3A8-104F-A6F0-21C97017FC47}"/>
+              </a:ext>
+            </a:extLst>
+          </p:cNvPr>
+          <p:cNvSpPr>
+            <a:spLocks noGrp="1"/>
+          </p:cNvSpPr>
+          <p:nvPr>
+            <p:ph type="sldNum" sz="quarter" idx="12"/>
+          </p:nvPr>
+        </p:nvSpPr>
+        <p:spPr/>
+        <p:txBody>
+          <a:bodyPr/>
+          <a:lstStyle/>
+          <a:p>
             <a:fld id="{43F60B86-E189-BF41-8A30-82A336CB6B85}" type="slidenum">
               <a:rPr lang="en-US" altLang="en-US"/>
               <a:pPr/>
-              <a:t>11</a:t>
+              <a:t>13</a:t>
             </a:fld>
             <a:endParaRPr lang="en-US" altLang="en-US"/>
           </a:p>
@@ -7616,7 +8513,7 @@
 </p:sld>
 </file>
 
-<file path=ppt/slides/slide12.xml><?xml version="1.0" encoding="utf-8"?>
+<file path=ppt/slides/slide14.xml><?xml version="1.0" encoding="utf-8"?>
 <p:sld xmlns:a="http://schemas.openxmlformats.org/drawingml/2006/main" xmlns:r="http://schemas.openxmlformats.org/officeDocument/2006/relationships" xmlns:p="http://schemas.openxmlformats.org/presentationml/2006/main">
   <p:cSld>
     <p:spTree>
@@ -7674,7 +8571,7 @@
 </p:sld>
 </file>
 
-<file path=ppt/slides/slide13.xml><?xml version="1.0" encoding="utf-8"?>
+<file path=ppt/slides/slide15.xml><?xml version="1.0" encoding="utf-8"?>
 <p:sld xmlns:a="http://schemas.openxmlformats.org/drawingml/2006/main" xmlns:r="http://schemas.openxmlformats.org/officeDocument/2006/relationships" xmlns:p="http://schemas.openxmlformats.org/presentationml/2006/main">
   <p:cSld>
     <p:spTree>
@@ -7715,7 +8612,7 @@
             <a:fld id="{256CE055-ECFD-9048-9FD8-7E2D8656A4F7}" type="slidenum">
               <a:rPr lang="en-US" smtClean="0"/>
               <a:pPr/>
-              <a:t>13</a:t>
+              <a:t>15</a:t>
             </a:fld>
             <a:endParaRPr lang="en-US" dirty="0"/>
           </a:p>
@@ -7764,7 +8661,7 @@
 </p:sld>
 </file>
 
-<file path=ppt/slides/slide14.xml><?xml version="1.0" encoding="utf-8"?>
+<file path=ppt/slides/slide16.xml><?xml version="1.0" encoding="utf-8"?>
 <p:sld xmlns:a="http://schemas.openxmlformats.org/drawingml/2006/main" xmlns:r="http://schemas.openxmlformats.org/officeDocument/2006/relationships" xmlns:p="http://schemas.openxmlformats.org/presentationml/2006/main">
   <p:cSld>
     <p:spTree>
@@ -7805,7 +8702,7 @@
             <a:fld id="{256CE055-ECFD-9048-9FD8-7E2D8656A4F7}" type="slidenum">
               <a:rPr lang="en-US" smtClean="0"/>
               <a:pPr/>
-              <a:t>14</a:t>
+              <a:t>16</a:t>
             </a:fld>
             <a:endParaRPr lang="en-US" dirty="0"/>
           </a:p>
@@ -7854,7 +8751,7 @@
 </p:sld>
 </file>
 
-<file path=ppt/slides/slide15.xml><?xml version="1.0" encoding="utf-8"?>
+<file path=ppt/slides/slide17.xml><?xml version="1.0" encoding="utf-8"?>
 <p:sld xmlns:a="http://schemas.openxmlformats.org/drawingml/2006/main" xmlns:r="http://schemas.openxmlformats.org/officeDocument/2006/relationships" xmlns:p="http://schemas.openxmlformats.org/presentationml/2006/main">
   <p:cSld>
     <p:spTree>
@@ -7895,7 +8792,7 @@
             <a:fld id="{256CE055-ECFD-9048-9FD8-7E2D8656A4F7}" type="slidenum">
               <a:rPr lang="en-US" smtClean="0"/>
               <a:pPr/>
-              <a:t>15</a:t>
+              <a:t>17</a:t>
             </a:fld>
             <a:endParaRPr lang="en-US" dirty="0"/>
           </a:p>
@@ -7944,7 +8841,7 @@
 </p:sld>
 </file>
 
-<file path=ppt/slides/slide16.xml><?xml version="1.0" encoding="utf-8"?>
+<file path=ppt/slides/slide18.xml><?xml version="1.0" encoding="utf-8"?>
 <p:sld xmlns:a="http://schemas.openxmlformats.org/drawingml/2006/main" xmlns:r="http://schemas.openxmlformats.org/officeDocument/2006/relationships" xmlns:p="http://schemas.openxmlformats.org/presentationml/2006/main">
   <p:cSld>
     <p:spTree>
@@ -7985,7 +8882,7 @@
             <a:fld id="{256CE055-ECFD-9048-9FD8-7E2D8656A4F7}" type="slidenum">
               <a:rPr lang="en-US" smtClean="0"/>
               <a:pPr/>
-              <a:t>16</a:t>
+              <a:t>18</a:t>
             </a:fld>
             <a:endParaRPr lang="en-US" dirty="0"/>
           </a:p>
@@ -8053,6 +8950,184 @@
       </p:grpSpPr>
       <p:sp>
         <p:nvSpPr>
+          <p:cNvPr id="5" name="Title 4">
+            <a:extLst>
+              <a:ext uri="{FF2B5EF4-FFF2-40B4-BE49-F238E27FC236}">
+                <a16:creationId xmlns:a16="http://schemas.microsoft.com/office/drawing/2014/main" id="{3C485A7A-6D4C-6449-95D3-D40C9E876BB6}"/>
+              </a:ext>
+            </a:extLst>
+          </p:cNvPr>
+          <p:cNvSpPr>
+            <a:spLocks noGrp="1"/>
+          </p:cNvSpPr>
+          <p:nvPr>
+            <p:ph type="ctrTitle"/>
+          </p:nvPr>
+        </p:nvSpPr>
+        <p:spPr/>
+        <p:txBody>
+          <a:bodyPr/>
+          <a:lstStyle/>
+          <a:p>
+            <a:r>
+              <a:rPr lang="en-US" dirty="0"/>
+              <a:t>Learning Objective</a:t>
+            </a:r>
+          </a:p>
+        </p:txBody>
+      </p:sp>
+    </p:spTree>
+    <p:extLst>
+      <p:ext uri="{BB962C8B-B14F-4D97-AF65-F5344CB8AC3E}">
+        <p14:creationId xmlns:p14="http://schemas.microsoft.com/office/powerpoint/2010/main" val="331315555"/>
+      </p:ext>
+    </p:extLst>
+  </p:cSld>
+  <p:clrMapOvr>
+    <a:masterClrMapping/>
+  </p:clrMapOvr>
+</p:sld>
+</file>
+
+<file path=ppt/slides/slide3.xml><?xml version="1.0" encoding="utf-8"?>
+<p:sld xmlns:a="http://schemas.openxmlformats.org/drawingml/2006/main" xmlns:r="http://schemas.openxmlformats.org/officeDocument/2006/relationships" xmlns:p="http://schemas.openxmlformats.org/presentationml/2006/main">
+  <p:cSld>
+    <p:spTree>
+      <p:nvGrpSpPr>
+        <p:cNvPr id="1" name=""/>
+        <p:cNvGrpSpPr/>
+        <p:nvPr/>
+      </p:nvGrpSpPr>
+      <p:grpSpPr>
+        <a:xfrm>
+          <a:off x="0" y="0"/>
+          <a:ext cx="0" cy="0"/>
+          <a:chOff x="0" y="0"/>
+          <a:chExt cx="0" cy="0"/>
+        </a:xfrm>
+      </p:grpSpPr>
+      <p:sp>
+        <p:nvSpPr>
+          <p:cNvPr id="3" name="Title 2">
+            <a:extLst>
+              <a:ext uri="{FF2B5EF4-FFF2-40B4-BE49-F238E27FC236}">
+                <a16:creationId xmlns:a16="http://schemas.microsoft.com/office/drawing/2014/main" id="{0222242B-B691-304A-B52D-5B4E075F760F}"/>
+              </a:ext>
+            </a:extLst>
+          </p:cNvPr>
+          <p:cNvSpPr>
+            <a:spLocks noGrp="1"/>
+          </p:cNvSpPr>
+          <p:nvPr>
+            <p:ph type="title"/>
+          </p:nvPr>
+        </p:nvSpPr>
+        <p:spPr/>
+        <p:txBody>
+          <a:bodyPr/>
+          <a:lstStyle/>
+          <a:p>
+            <a:r>
+              <a:rPr lang="en-US" dirty="0"/>
+              <a:t>Learning Objectives</a:t>
+            </a:r>
+          </a:p>
+        </p:txBody>
+      </p:sp>
+      <p:sp>
+        <p:nvSpPr>
+          <p:cNvPr id="4" name="Content Placeholder 3">
+            <a:extLst>
+              <a:ext uri="{FF2B5EF4-FFF2-40B4-BE49-F238E27FC236}">
+                <a16:creationId xmlns:a16="http://schemas.microsoft.com/office/drawing/2014/main" id="{77FFC429-6A4C-BF40-9A71-BE3BD84EA317}"/>
+              </a:ext>
+            </a:extLst>
+          </p:cNvPr>
+          <p:cNvSpPr>
+            <a:spLocks noGrp="1"/>
+          </p:cNvSpPr>
+          <p:nvPr>
+            <p:ph idx="1"/>
+          </p:nvPr>
+        </p:nvSpPr>
+        <p:spPr/>
+        <p:txBody>
+          <a:bodyPr>
+            <a:normAutofit fontScale="77500" lnSpcReduction="20000"/>
+          </a:bodyPr>
+          <a:lstStyle/>
+          <a:p>
+            <a:r>
+              <a:rPr lang="en-US" sz="3600" dirty="0"/>
+              <a:t>Review unsupervised learning concepts</a:t>
+            </a:r>
+          </a:p>
+          <a:p>
+            <a:endParaRPr lang="en-US" sz="3600" dirty="0"/>
+          </a:p>
+          <a:p>
+            <a:r>
+              <a:rPr lang="en-US" sz="3600" dirty="0"/>
+              <a:t>Learn when unsupervised learning is appropriate in networking contexts (e.g., anomaly detection)</a:t>
+            </a:r>
+          </a:p>
+          <a:p>
+            <a:endParaRPr lang="en-US" sz="3600" dirty="0"/>
+          </a:p>
+          <a:p>
+            <a:r>
+              <a:rPr lang="en-US" sz="3600" dirty="0"/>
+              <a:t>Apply unsupervised learning to a simple networking example</a:t>
+            </a:r>
+          </a:p>
+          <a:p>
+            <a:endParaRPr lang="en-US" sz="3600" dirty="0"/>
+          </a:p>
+          <a:p>
+            <a:r>
+              <a:rPr lang="en-US" sz="3600" dirty="0"/>
+              <a:t>Learn about clustering and its applications </a:t>
+            </a:r>
+            <a:r>
+              <a:rPr lang="en-US" sz="3600"/>
+              <a:t>to network data</a:t>
+            </a:r>
+            <a:endParaRPr lang="en-US" sz="3600" dirty="0"/>
+          </a:p>
+        </p:txBody>
+      </p:sp>
+    </p:spTree>
+    <p:extLst>
+      <p:ext uri="{BB962C8B-B14F-4D97-AF65-F5344CB8AC3E}">
+        <p14:creationId xmlns:p14="http://schemas.microsoft.com/office/powerpoint/2010/main" val="3995971099"/>
+      </p:ext>
+    </p:extLst>
+  </p:cSld>
+  <p:clrMapOvr>
+    <a:masterClrMapping/>
+  </p:clrMapOvr>
+</p:sld>
+</file>
+
+<file path=ppt/slides/slide4.xml><?xml version="1.0" encoding="utf-8"?>
+<p:sld xmlns:a="http://schemas.openxmlformats.org/drawingml/2006/main" xmlns:r="http://schemas.openxmlformats.org/officeDocument/2006/relationships" xmlns:p="http://schemas.openxmlformats.org/presentationml/2006/main">
+  <p:cSld>
+    <p:spTree>
+      <p:nvGrpSpPr>
+        <p:cNvPr id="1" name=""/>
+        <p:cNvGrpSpPr/>
+        <p:nvPr/>
+      </p:nvGrpSpPr>
+      <p:grpSpPr>
+        <a:xfrm>
+          <a:off x="0" y="0"/>
+          <a:ext cx="0" cy="0"/>
+          <a:chOff x="0" y="0"/>
+          <a:chExt cx="0" cy="0"/>
+        </a:xfrm>
+      </p:grpSpPr>
+      <p:sp>
+        <p:nvSpPr>
           <p:cNvPr id="2" name="Slide Number Placeholder 1">
             <a:extLst>
               <a:ext uri="{FF2B5EF4-FFF2-40B4-BE49-F238E27FC236}">
@@ -8075,7 +9150,7 @@
             <a:fld id="{8B4864EB-539C-3D47-AD29-245514BFE515}" type="slidenum">
               <a:rPr lang="en-US" smtClean="0"/>
               <a:pPr/>
-              <a:t>2</a:t>
+              <a:t>4</a:t>
             </a:fld>
             <a:endParaRPr lang="en-US" dirty="0"/>
           </a:p>
@@ -8124,7 +9199,7 @@
 </p:sld>
 </file>
 
-<file path=ppt/slides/slide3.xml><?xml version="1.0" encoding="utf-8"?>
+<file path=ppt/slides/slide5.xml><?xml version="1.0" encoding="utf-8"?>
 <p:sld xmlns:a="http://schemas.openxmlformats.org/drawingml/2006/main" xmlns:r="http://schemas.openxmlformats.org/officeDocument/2006/relationships" xmlns:p="http://schemas.openxmlformats.org/presentationml/2006/main">
   <p:cSld>
     <p:spTree>
@@ -8238,7 +9313,7 @@
 </p:sld>
 </file>
 
-<file path=ppt/slides/slide4.xml><?xml version="1.0" encoding="utf-8"?>
+<file path=ppt/slides/slide6.xml><?xml version="1.0" encoding="utf-8"?>
 <p:sld xmlns:a="http://schemas.openxmlformats.org/drawingml/2006/main" xmlns:r="http://schemas.openxmlformats.org/officeDocument/2006/relationships" xmlns:p="http://schemas.openxmlformats.org/presentationml/2006/main">
   <p:cSld>
     <p:spTree>
@@ -8296,7 +9371,7 @@
 </p:sld>
 </file>
 
-<file path=ppt/slides/slide5.xml><?xml version="1.0" encoding="utf-8"?>
+<file path=ppt/slides/slide7.xml><?xml version="1.0" encoding="utf-8"?>
 <p:sld xmlns:a="http://schemas.openxmlformats.org/drawingml/2006/main" xmlns:r="http://schemas.openxmlformats.org/officeDocument/2006/relationships" xmlns:p="http://schemas.openxmlformats.org/presentationml/2006/main">
   <p:cSld>
     <p:spTree>
@@ -8365,7 +9440,7 @@
             <a:fld id="{DAA1FF91-AA1D-6C4A-B1C2-B5C685684112}" type="slidenum">
               <a:rPr lang="en-US" altLang="en-US"/>
               <a:pPr/>
-              <a:t>5</a:t>
+              <a:t>7</a:t>
             </a:fld>
             <a:endParaRPr lang="en-US" altLang="en-US"/>
           </a:p>
@@ -11325,7 +12400,7 @@
 </p:sld>
 </file>
 
-<file path=ppt/slides/slide6.xml><?xml version="1.0" encoding="utf-8"?>
+<file path=ppt/slides/slide8.xml><?xml version="1.0" encoding="utf-8"?>
 <p:sld xmlns:a="http://schemas.openxmlformats.org/drawingml/2006/main" xmlns:r="http://schemas.openxmlformats.org/officeDocument/2006/relationships" xmlns:p="http://schemas.openxmlformats.org/presentationml/2006/main">
   <p:cSld>
     <p:spTree>
@@ -11394,7 +12469,7 @@
             <a:fld id="{5120297E-D988-9A4C-9C00-13E28E597A9D}" type="slidenum">
               <a:rPr lang="en-US" altLang="en-US"/>
               <a:pPr/>
-              <a:t>6</a:t>
+              <a:t>8</a:t>
             </a:fld>
             <a:endParaRPr lang="en-US" altLang="en-US"/>
           </a:p>
@@ -11632,7 +12707,7 @@
 </p:sld>
 </file>
 
-<file path=ppt/slides/slide7.xml><?xml version="1.0" encoding="utf-8"?>
+<file path=ppt/slides/slide9.xml><?xml version="1.0" encoding="utf-8"?>
 <p:sld xmlns:a="http://schemas.openxmlformats.org/drawingml/2006/main" xmlns:r="http://schemas.openxmlformats.org/officeDocument/2006/relationships" xmlns:p="http://schemas.openxmlformats.org/presentationml/2006/main">
   <p:cSld>
     <p:spTree>
@@ -11673,7 +12748,7 @@
             <a:fld id="{BD540FFB-358A-334B-AD69-3C79CE71A68A}" type="slidenum">
               <a:rPr lang="en-US" altLang="en-US"/>
               <a:pPr/>
-              <a:t>7</a:t>
+              <a:t>9</a:t>
             </a:fld>
             <a:endParaRPr lang="en-US" altLang="en-US"/>
           </a:p>
@@ -16138,896 +17213,6 @@
     <p:extLst>
       <p:ext uri="{BB962C8B-B14F-4D97-AF65-F5344CB8AC3E}">
         <p14:creationId xmlns:p14="http://schemas.microsoft.com/office/powerpoint/2010/main" val="3710315305"/>
-      </p:ext>
-    </p:extLst>
-  </p:cSld>
-  <p:clrMapOvr>
-    <a:masterClrMapping/>
-  </p:clrMapOvr>
-</p:sld>
-</file>
-
-<file path=ppt/slides/slide8.xml><?xml version="1.0" encoding="utf-8"?>
-<p:sld xmlns:a="http://schemas.openxmlformats.org/drawingml/2006/main" xmlns:r="http://schemas.openxmlformats.org/officeDocument/2006/relationships" xmlns:p="http://schemas.openxmlformats.org/presentationml/2006/main">
-  <p:cSld>
-    <p:spTree>
-      <p:nvGrpSpPr>
-        <p:cNvPr id="1" name=""/>
-        <p:cNvGrpSpPr/>
-        <p:nvPr/>
-      </p:nvGrpSpPr>
-      <p:grpSpPr>
-        <a:xfrm>
-          <a:off x="0" y="0"/>
-          <a:ext cx="0" cy="0"/>
-          <a:chOff x="0" y="0"/>
-          <a:chExt cx="0" cy="0"/>
-        </a:xfrm>
-      </p:grpSpPr>
-      <p:sp>
-        <p:nvSpPr>
-          <p:cNvPr id="18" name="Slide Number Placeholder 8">
-            <a:extLst>
-              <a:ext uri="{FF2B5EF4-FFF2-40B4-BE49-F238E27FC236}">
-                <a16:creationId xmlns:a16="http://schemas.microsoft.com/office/drawing/2014/main" id="{B24CB9AF-967F-FF4C-9653-088D96C5ADED}"/>
-              </a:ext>
-            </a:extLst>
-          </p:cNvPr>
-          <p:cNvSpPr>
-            <a:spLocks noGrp="1"/>
-          </p:cNvSpPr>
-          <p:nvPr>
-            <p:ph type="sldNum" sz="quarter" idx="12"/>
-          </p:nvPr>
-        </p:nvSpPr>
-        <p:spPr/>
-        <p:txBody>
-          <a:bodyPr/>
-          <a:lstStyle/>
-          <a:p>
-            <a:fld id="{15EB0140-50D9-4D41-A4FD-FD6E478F35AB}" type="slidenum">
-              <a:rPr lang="en-US" altLang="en-US"/>
-              <a:pPr/>
-              <a:t>8</a:t>
-            </a:fld>
-            <a:endParaRPr lang="en-US" altLang="en-US"/>
-          </a:p>
-        </p:txBody>
-      </p:sp>
-      <p:sp>
-        <p:nvSpPr>
-          <p:cNvPr id="65538" name="Rectangle 2">
-            <a:extLst>
-              <a:ext uri="{FF2B5EF4-FFF2-40B4-BE49-F238E27FC236}">
-                <a16:creationId xmlns:a16="http://schemas.microsoft.com/office/drawing/2014/main" id="{BC03AA16-EAAF-A440-AA4B-D0B16CA4CA07}"/>
-              </a:ext>
-            </a:extLst>
-          </p:cNvPr>
-          <p:cNvSpPr>
-            <a:spLocks noGrp="1" noChangeArrowheads="1"/>
-          </p:cNvSpPr>
-          <p:nvPr>
-            <p:ph type="title" sz="quarter"/>
-          </p:nvPr>
-        </p:nvSpPr>
-        <p:spPr>
-          <a:xfrm>
-            <a:off x="1971676" y="290514"/>
-            <a:ext cx="8467725" cy="839787"/>
-          </a:xfrm>
-          <a:noFill/>
-          <a:ln/>
-        </p:spPr>
-        <p:txBody>
-          <a:bodyPr/>
-          <a:lstStyle/>
-          <a:p>
-            <a:r>
-              <a:rPr lang="en-US" altLang="en-US" dirty="0"/>
-              <a:t>Example Traffic Flows</a:t>
-            </a:r>
-          </a:p>
-        </p:txBody>
-      </p:sp>
-      <p:pic>
-        <p:nvPicPr>
-          <p:cNvPr id="65539" name="Picture 3">
-            <a:extLst>
-              <a:ext uri="{FF2B5EF4-FFF2-40B4-BE49-F238E27FC236}">
-                <a16:creationId xmlns:a16="http://schemas.microsoft.com/office/drawing/2014/main" id="{537D3F55-7421-1743-B76B-73EF79069C53}"/>
-              </a:ext>
-            </a:extLst>
-          </p:cNvPr>
-          <p:cNvPicPr>
-            <a:picLocks noChangeArrowheads="1"/>
-          </p:cNvPicPr>
-          <p:nvPr>
-            <p:ph sz="quarter" idx="1"/>
-          </p:nvPr>
-        </p:nvPicPr>
-        <p:blipFill>
-          <a:blip r:embed="rId3">
-            <a:extLst>
-              <a:ext uri="{28A0092B-C50C-407E-A947-70E740481C1C}">
-                <a14:useLocalDpi xmlns:a14="http://schemas.microsoft.com/office/drawing/2010/main" val="0"/>
-              </a:ext>
-            </a:extLst>
-          </a:blip>
-          <a:srcRect/>
-          <a:stretch>
-            <a:fillRect/>
-          </a:stretch>
-        </p:blipFill>
-        <p:spPr>
-          <a:xfrm>
-            <a:off x="5999163" y="1120775"/>
-            <a:ext cx="1858962" cy="1493838"/>
-          </a:xfrm>
-          <a:noFill/>
-          <a:ln/>
-          <a:extLst>
-            <a:ext uri="{909E8E84-426E-40DD-AFC4-6F175D3DCCD1}">
-              <a14:hiddenFill xmlns:a14="http://schemas.microsoft.com/office/drawing/2010/main">
-                <a:solidFill>
-                  <a:srgbClr val="FFFFFF"/>
-                </a:solidFill>
-              </a14:hiddenFill>
-            </a:ext>
-            <a:ext uri="{91240B29-F687-4F45-9708-019B960494DF}">
-              <a14:hiddenLine xmlns:a14="http://schemas.microsoft.com/office/drawing/2010/main" w="9525">
-                <a:solidFill>
-                  <a:srgbClr val="000000"/>
-                </a:solidFill>
-                <a:miter lim="800000"/>
-                <a:headEnd/>
-                <a:tailEnd/>
-              </a14:hiddenLine>
-            </a:ext>
-            <a:ext uri="{AF507438-7753-43E0-B8FC-AC1667EBCBE1}">
-              <a14:hiddenEffects xmlns:a14="http://schemas.microsoft.com/office/drawing/2010/main">
-                <a:effectLst>
-                  <a:outerShdw dist="35921" dir="2700000" algn="ctr" rotWithShape="0">
-                    <a:srgbClr val="808080"/>
-                  </a:outerShdw>
-                </a:effectLst>
-              </a14:hiddenEffects>
-            </a:ext>
-          </a:extLst>
-        </p:spPr>
-      </p:pic>
-      <p:pic>
-        <p:nvPicPr>
-          <p:cNvPr id="65540" name="Picture 4">
-            <a:extLst>
-              <a:ext uri="{FF2B5EF4-FFF2-40B4-BE49-F238E27FC236}">
-                <a16:creationId xmlns:a16="http://schemas.microsoft.com/office/drawing/2014/main" id="{2865F392-7F69-5A49-8F9B-DB4019F13E0C}"/>
-              </a:ext>
-            </a:extLst>
-          </p:cNvPr>
-          <p:cNvPicPr>
-            <a:picLocks noChangeArrowheads="1"/>
-          </p:cNvPicPr>
-          <p:nvPr>
-            <p:ph sz="quarter" idx="2"/>
-          </p:nvPr>
-        </p:nvPicPr>
-        <p:blipFill>
-          <a:blip r:embed="rId4">
-            <a:extLst>
-              <a:ext uri="{28A0092B-C50C-407E-A947-70E740481C1C}">
-                <a14:useLocalDpi xmlns:a14="http://schemas.microsoft.com/office/drawing/2010/main" val="0"/>
-              </a:ext>
-            </a:extLst>
-          </a:blip>
-          <a:srcRect/>
-          <a:stretch>
-            <a:fillRect/>
-          </a:stretch>
-        </p:blipFill>
-        <p:spPr>
-          <a:xfrm>
-            <a:off x="2079626" y="1120775"/>
-            <a:ext cx="1858963" cy="1493838"/>
-          </a:xfrm>
-          <a:noFill/>
-          <a:ln/>
-          <a:extLst>
-            <a:ext uri="{909E8E84-426E-40DD-AFC4-6F175D3DCCD1}">
-              <a14:hiddenFill xmlns:a14="http://schemas.microsoft.com/office/drawing/2010/main">
-                <a:solidFill>
-                  <a:srgbClr val="FFFFFF"/>
-                </a:solidFill>
-              </a14:hiddenFill>
-            </a:ext>
-            <a:ext uri="{91240B29-F687-4F45-9708-019B960494DF}">
-              <a14:hiddenLine xmlns:a14="http://schemas.microsoft.com/office/drawing/2010/main" w="9525">
-                <a:solidFill>
-                  <a:srgbClr val="000000"/>
-                </a:solidFill>
-                <a:miter lim="800000"/>
-                <a:headEnd/>
-                <a:tailEnd/>
-              </a14:hiddenLine>
-            </a:ext>
-            <a:ext uri="{AF507438-7753-43E0-B8FC-AC1667EBCBE1}">
-              <a14:hiddenEffects xmlns:a14="http://schemas.microsoft.com/office/drawing/2010/main">
-                <a:effectLst>
-                  <a:outerShdw dist="35921" dir="2700000" algn="ctr" rotWithShape="0">
-                    <a:srgbClr val="808080"/>
-                  </a:outerShdw>
-                </a:effectLst>
-              </a14:hiddenEffects>
-            </a:ext>
-          </a:extLst>
-        </p:spPr>
-      </p:pic>
-      <p:pic>
-        <p:nvPicPr>
-          <p:cNvPr id="65541" name="Picture 5">
-            <a:extLst>
-              <a:ext uri="{FF2B5EF4-FFF2-40B4-BE49-F238E27FC236}">
-                <a16:creationId xmlns:a16="http://schemas.microsoft.com/office/drawing/2014/main" id="{A6D9799F-876A-3347-AC9F-693B0C16E332}"/>
-              </a:ext>
-            </a:extLst>
-          </p:cNvPr>
-          <p:cNvPicPr>
-            <a:picLocks noChangeArrowheads="1"/>
-          </p:cNvPicPr>
-          <p:nvPr>
-            <p:ph sz="quarter" idx="3"/>
-          </p:nvPr>
-        </p:nvPicPr>
-        <p:blipFill>
-          <a:blip r:embed="rId5">
-            <a:extLst>
-              <a:ext uri="{28A0092B-C50C-407E-A947-70E740481C1C}">
-                <a14:useLocalDpi xmlns:a14="http://schemas.microsoft.com/office/drawing/2010/main" val="0"/>
-              </a:ext>
-            </a:extLst>
-          </a:blip>
-          <a:srcRect/>
-          <a:stretch>
-            <a:fillRect/>
-          </a:stretch>
-        </p:blipFill>
-        <p:spPr>
-          <a:xfrm>
-            <a:off x="4356101" y="2692400"/>
-            <a:ext cx="1820863" cy="1493838"/>
-          </a:xfrm>
-          <a:noFill/>
-          <a:ln/>
-          <a:extLst>
-            <a:ext uri="{909E8E84-426E-40DD-AFC4-6F175D3DCCD1}">
-              <a14:hiddenFill xmlns:a14="http://schemas.microsoft.com/office/drawing/2010/main">
-                <a:solidFill>
-                  <a:srgbClr val="FFFFFF"/>
-                </a:solidFill>
-              </a14:hiddenFill>
-            </a:ext>
-            <a:ext uri="{91240B29-F687-4F45-9708-019B960494DF}">
-              <a14:hiddenLine xmlns:a14="http://schemas.microsoft.com/office/drawing/2010/main" w="9525">
-                <a:solidFill>
-                  <a:srgbClr val="000000"/>
-                </a:solidFill>
-                <a:miter lim="800000"/>
-                <a:headEnd/>
-                <a:tailEnd/>
-              </a14:hiddenLine>
-            </a:ext>
-            <a:ext uri="{AF507438-7753-43E0-B8FC-AC1667EBCBE1}">
-              <a14:hiddenEffects xmlns:a14="http://schemas.microsoft.com/office/drawing/2010/main">
-                <a:effectLst>
-                  <a:outerShdw dist="35921" dir="2700000" algn="ctr" rotWithShape="0">
-                    <a:srgbClr val="808080"/>
-                  </a:outerShdw>
-                </a:effectLst>
-              </a14:hiddenEffects>
-            </a:ext>
-          </a:extLst>
-        </p:spPr>
-      </p:pic>
-      <p:pic>
-        <p:nvPicPr>
-          <p:cNvPr id="65543" name="Picture 7">
-            <a:extLst>
-              <a:ext uri="{FF2B5EF4-FFF2-40B4-BE49-F238E27FC236}">
-                <a16:creationId xmlns:a16="http://schemas.microsoft.com/office/drawing/2014/main" id="{62BAB968-1026-B644-BEA6-BCC174F7CD62}"/>
-              </a:ext>
-            </a:extLst>
-          </p:cNvPr>
-          <p:cNvPicPr>
-            <a:picLocks noGrp="1" noChangeArrowheads="1"/>
-          </p:cNvPicPr>
-          <p:nvPr>
-            <p:ph sz="quarter" idx="4"/>
-          </p:nvPr>
-        </p:nvPicPr>
-        <p:blipFill>
-          <a:blip r:embed="rId6">
-            <a:extLst>
-              <a:ext uri="{28A0092B-C50C-407E-A947-70E740481C1C}">
-                <a14:useLocalDpi xmlns:a14="http://schemas.microsoft.com/office/drawing/2010/main" val="0"/>
-              </a:ext>
-            </a:extLst>
-          </a:blip>
-          <a:srcRect/>
-          <a:stretch>
-            <a:fillRect/>
-          </a:stretch>
-        </p:blipFill>
-        <p:spPr>
-          <a:xfrm>
-            <a:off x="2384426" y="2692400"/>
-            <a:ext cx="1858963" cy="1493838"/>
-          </a:xfrm>
-          <a:ln/>
-        </p:spPr>
-      </p:pic>
-      <p:pic>
-        <p:nvPicPr>
-          <p:cNvPr id="65544" name="Picture 8">
-            <a:extLst>
-              <a:ext uri="{FF2B5EF4-FFF2-40B4-BE49-F238E27FC236}">
-                <a16:creationId xmlns:a16="http://schemas.microsoft.com/office/drawing/2014/main" id="{9149649F-37A4-E04C-BB4D-6020FD7BBABE}"/>
-              </a:ext>
-            </a:extLst>
-          </p:cNvPr>
-          <p:cNvPicPr>
-            <a:picLocks noChangeArrowheads="1"/>
-          </p:cNvPicPr>
-          <p:nvPr/>
-        </p:nvPicPr>
-        <p:blipFill>
-          <a:blip r:embed="rId7">
-            <a:extLst>
-              <a:ext uri="{28A0092B-C50C-407E-A947-70E740481C1C}">
-                <a14:useLocalDpi xmlns:a14="http://schemas.microsoft.com/office/drawing/2010/main" val="0"/>
-              </a:ext>
-            </a:extLst>
-          </a:blip>
-          <a:srcRect/>
-          <a:stretch>
-            <a:fillRect/>
-          </a:stretch>
-        </p:blipFill>
-        <p:spPr bwMode="auto">
-          <a:xfrm>
-            <a:off x="7978776" y="1106489"/>
-            <a:ext cx="1858963" cy="1493837"/>
-          </a:xfrm>
-          <a:prstGeom prst="rect">
-            <a:avLst/>
-          </a:prstGeom>
-          <a:noFill/>
-          <a:ln>
-            <a:noFill/>
-          </a:ln>
-          <a:extLst>
-            <a:ext uri="{909E8E84-426E-40DD-AFC4-6F175D3DCCD1}">
-              <a14:hiddenFill xmlns:a14="http://schemas.microsoft.com/office/drawing/2010/main">
-                <a:solidFill>
-                  <a:srgbClr val="FFFFFF"/>
-                </a:solidFill>
-              </a14:hiddenFill>
-            </a:ext>
-            <a:ext uri="{91240B29-F687-4F45-9708-019B960494DF}">
-              <a14:hiddenLine xmlns:a14="http://schemas.microsoft.com/office/drawing/2010/main" w="9525">
-                <a:solidFill>
-                  <a:srgbClr val="000000"/>
-                </a:solidFill>
-                <a:miter lim="800000"/>
-                <a:headEnd/>
-                <a:tailEnd/>
-              </a14:hiddenLine>
-            </a:ext>
-          </a:extLst>
-        </p:spPr>
-      </p:pic>
-      <p:pic>
-        <p:nvPicPr>
-          <p:cNvPr id="65545" name="Picture 9">
-            <a:extLst>
-              <a:ext uri="{FF2B5EF4-FFF2-40B4-BE49-F238E27FC236}">
-                <a16:creationId xmlns:a16="http://schemas.microsoft.com/office/drawing/2014/main" id="{378B07E3-83CC-654C-8B51-E6F7138E6E7B}"/>
-              </a:ext>
-            </a:extLst>
-          </p:cNvPr>
-          <p:cNvPicPr>
-            <a:picLocks noChangeArrowheads="1"/>
-          </p:cNvPicPr>
-          <p:nvPr/>
-        </p:nvPicPr>
-        <p:blipFill>
-          <a:blip r:embed="rId8">
-            <a:extLst>
-              <a:ext uri="{28A0092B-C50C-407E-A947-70E740481C1C}">
-                <a14:useLocalDpi xmlns:a14="http://schemas.microsoft.com/office/drawing/2010/main" val="0"/>
-              </a:ext>
-            </a:extLst>
-          </a:blip>
-          <a:srcRect/>
-          <a:stretch>
-            <a:fillRect/>
-          </a:stretch>
-        </p:blipFill>
-        <p:spPr bwMode="auto">
-          <a:xfrm>
-            <a:off x="6037263" y="2692400"/>
-            <a:ext cx="1820862" cy="1493838"/>
-          </a:xfrm>
-          <a:prstGeom prst="rect">
-            <a:avLst/>
-          </a:prstGeom>
-          <a:noFill/>
-          <a:ln>
-            <a:noFill/>
-          </a:ln>
-          <a:extLst>
-            <a:ext uri="{909E8E84-426E-40DD-AFC4-6F175D3DCCD1}">
-              <a14:hiddenFill xmlns:a14="http://schemas.microsoft.com/office/drawing/2010/main">
-                <a:solidFill>
-                  <a:srgbClr val="FFFFFF"/>
-                </a:solidFill>
-              </a14:hiddenFill>
-            </a:ext>
-            <a:ext uri="{91240B29-F687-4F45-9708-019B960494DF}">
-              <a14:hiddenLine xmlns:a14="http://schemas.microsoft.com/office/drawing/2010/main" w="9525">
-                <a:solidFill>
-                  <a:srgbClr val="000000"/>
-                </a:solidFill>
-                <a:miter lim="800000"/>
-                <a:headEnd/>
-                <a:tailEnd/>
-              </a14:hiddenLine>
-            </a:ext>
-          </a:extLst>
-        </p:spPr>
-      </p:pic>
-      <p:pic>
-        <p:nvPicPr>
-          <p:cNvPr id="65546" name="Picture 10">
-            <a:extLst>
-              <a:ext uri="{FF2B5EF4-FFF2-40B4-BE49-F238E27FC236}">
-                <a16:creationId xmlns:a16="http://schemas.microsoft.com/office/drawing/2014/main" id="{999FAB7E-2A90-E244-A168-0D00FDE7F298}"/>
-              </a:ext>
-            </a:extLst>
-          </p:cNvPr>
-          <p:cNvPicPr>
-            <a:picLocks noChangeArrowheads="1"/>
-          </p:cNvPicPr>
-          <p:nvPr/>
-        </p:nvPicPr>
-        <p:blipFill>
-          <a:blip r:embed="rId9">
-            <a:extLst>
-              <a:ext uri="{28A0092B-C50C-407E-A947-70E740481C1C}">
-                <a14:useLocalDpi xmlns:a14="http://schemas.microsoft.com/office/drawing/2010/main" val="0"/>
-              </a:ext>
-            </a:extLst>
-          </a:blip>
-          <a:srcRect/>
-          <a:stretch>
-            <a:fillRect/>
-          </a:stretch>
-        </p:blipFill>
-        <p:spPr bwMode="auto">
-          <a:xfrm>
-            <a:off x="5980113" y="4289425"/>
-            <a:ext cx="1885950" cy="1493838"/>
-          </a:xfrm>
-          <a:prstGeom prst="rect">
-            <a:avLst/>
-          </a:prstGeom>
-          <a:noFill/>
-          <a:ln>
-            <a:noFill/>
-          </a:ln>
-          <a:extLst>
-            <a:ext uri="{909E8E84-426E-40DD-AFC4-6F175D3DCCD1}">
-              <a14:hiddenFill xmlns:a14="http://schemas.microsoft.com/office/drawing/2010/main">
-                <a:solidFill>
-                  <a:srgbClr val="FFFFFF"/>
-                </a:solidFill>
-              </a14:hiddenFill>
-            </a:ext>
-            <a:ext uri="{91240B29-F687-4F45-9708-019B960494DF}">
-              <a14:hiddenLine xmlns:a14="http://schemas.microsoft.com/office/drawing/2010/main" w="9525">
-                <a:solidFill>
-                  <a:srgbClr val="000000"/>
-                </a:solidFill>
-                <a:miter lim="800000"/>
-                <a:headEnd/>
-                <a:tailEnd/>
-              </a14:hiddenLine>
-            </a:ext>
-          </a:extLst>
-        </p:spPr>
-      </p:pic>
-      <p:pic>
-        <p:nvPicPr>
-          <p:cNvPr id="65547" name="Picture 11">
-            <a:extLst>
-              <a:ext uri="{FF2B5EF4-FFF2-40B4-BE49-F238E27FC236}">
-                <a16:creationId xmlns:a16="http://schemas.microsoft.com/office/drawing/2014/main" id="{0F62A11C-9D86-5F4A-879C-55E205D57556}"/>
-              </a:ext>
-            </a:extLst>
-          </p:cNvPr>
-          <p:cNvPicPr>
-            <a:picLocks noChangeArrowheads="1"/>
-          </p:cNvPicPr>
-          <p:nvPr/>
-        </p:nvPicPr>
-        <p:blipFill>
-          <a:blip r:embed="rId10">
-            <a:extLst>
-              <a:ext uri="{28A0092B-C50C-407E-A947-70E740481C1C}">
-                <a14:useLocalDpi xmlns:a14="http://schemas.microsoft.com/office/drawing/2010/main" val="0"/>
-              </a:ext>
-            </a:extLst>
-          </a:blip>
-          <a:srcRect/>
-          <a:stretch>
-            <a:fillRect/>
-          </a:stretch>
-        </p:blipFill>
-        <p:spPr bwMode="auto">
-          <a:xfrm>
-            <a:off x="8012113" y="2701925"/>
-            <a:ext cx="1858962" cy="1493838"/>
-          </a:xfrm>
-          <a:prstGeom prst="rect">
-            <a:avLst/>
-          </a:prstGeom>
-          <a:noFill/>
-          <a:ln>
-            <a:noFill/>
-          </a:ln>
-          <a:extLst>
-            <a:ext uri="{909E8E84-426E-40DD-AFC4-6F175D3DCCD1}">
-              <a14:hiddenFill xmlns:a14="http://schemas.microsoft.com/office/drawing/2010/main">
-                <a:solidFill>
-                  <a:srgbClr val="FFFFFF"/>
-                </a:solidFill>
-              </a14:hiddenFill>
-            </a:ext>
-            <a:ext uri="{91240B29-F687-4F45-9708-019B960494DF}">
-              <a14:hiddenLine xmlns:a14="http://schemas.microsoft.com/office/drawing/2010/main" w="9525">
-                <a:solidFill>
-                  <a:srgbClr val="000000"/>
-                </a:solidFill>
-                <a:miter lim="800000"/>
-                <a:headEnd/>
-                <a:tailEnd/>
-              </a14:hiddenLine>
-            </a:ext>
-          </a:extLst>
-        </p:spPr>
-      </p:pic>
-      <p:pic>
-        <p:nvPicPr>
-          <p:cNvPr id="65548" name="Picture 12">
-            <a:extLst>
-              <a:ext uri="{FF2B5EF4-FFF2-40B4-BE49-F238E27FC236}">
-                <a16:creationId xmlns:a16="http://schemas.microsoft.com/office/drawing/2014/main" id="{60F0C75D-0AD1-B148-9582-793078F01821}"/>
-              </a:ext>
-            </a:extLst>
-          </p:cNvPr>
-          <p:cNvPicPr>
-            <a:picLocks noChangeAspect="1" noChangeArrowheads="1"/>
-          </p:cNvPicPr>
-          <p:nvPr/>
-        </p:nvPicPr>
-        <p:blipFill>
-          <a:blip r:embed="rId11">
-            <a:extLst>
-              <a:ext uri="{28A0092B-C50C-407E-A947-70E740481C1C}">
-                <a14:useLocalDpi xmlns:a14="http://schemas.microsoft.com/office/drawing/2010/main" val="0"/>
-              </a:ext>
-            </a:extLst>
-          </a:blip>
-          <a:srcRect/>
-          <a:stretch>
-            <a:fillRect/>
-          </a:stretch>
-        </p:blipFill>
-        <p:spPr bwMode="auto">
-          <a:xfrm>
-            <a:off x="2079626" y="4273550"/>
-            <a:ext cx="1858963" cy="1493838"/>
-          </a:xfrm>
-          <a:prstGeom prst="rect">
-            <a:avLst/>
-          </a:prstGeom>
-          <a:noFill/>
-          <a:extLst>
-            <a:ext uri="{909E8E84-426E-40DD-AFC4-6F175D3DCCD1}">
-              <a14:hiddenFill xmlns:a14="http://schemas.microsoft.com/office/drawing/2010/main">
-                <a:solidFill>
-                  <a:srgbClr val="FFFFFF"/>
-                </a:solidFill>
-              </a14:hiddenFill>
-            </a:ext>
-          </a:extLst>
-        </p:spPr>
-      </p:pic>
-      <p:pic>
-        <p:nvPicPr>
-          <p:cNvPr id="65549" name="Picture 13">
-            <a:extLst>
-              <a:ext uri="{FF2B5EF4-FFF2-40B4-BE49-F238E27FC236}">
-                <a16:creationId xmlns:a16="http://schemas.microsoft.com/office/drawing/2014/main" id="{907F22BC-2650-974D-9962-0F9EFB54B367}"/>
-              </a:ext>
-            </a:extLst>
-          </p:cNvPr>
-          <p:cNvPicPr>
-            <a:picLocks noChangeAspect="1" noChangeArrowheads="1"/>
-          </p:cNvPicPr>
-          <p:nvPr/>
-        </p:nvPicPr>
-        <p:blipFill>
-          <a:blip r:embed="rId12">
-            <a:extLst>
-              <a:ext uri="{28A0092B-C50C-407E-A947-70E740481C1C}">
-                <a14:useLocalDpi xmlns:a14="http://schemas.microsoft.com/office/drawing/2010/main" val="0"/>
-              </a:ext>
-            </a:extLst>
-          </a:blip>
-          <a:srcRect/>
-          <a:stretch>
-            <a:fillRect/>
-          </a:stretch>
-        </p:blipFill>
-        <p:spPr bwMode="auto">
-          <a:xfrm>
-            <a:off x="7964488" y="4287839"/>
-            <a:ext cx="1858962" cy="1493837"/>
-          </a:xfrm>
-          <a:prstGeom prst="rect">
-            <a:avLst/>
-          </a:prstGeom>
-          <a:noFill/>
-          <a:extLst>
-            <a:ext uri="{909E8E84-426E-40DD-AFC4-6F175D3DCCD1}">
-              <a14:hiddenFill xmlns:a14="http://schemas.microsoft.com/office/drawing/2010/main">
-                <a:solidFill>
-                  <a:srgbClr val="FFFFFF"/>
-                </a:solidFill>
-              </a14:hiddenFill>
-            </a:ext>
-          </a:extLst>
-        </p:spPr>
-      </p:pic>
-      <p:pic>
-        <p:nvPicPr>
-          <p:cNvPr id="65550" name="Picture 14">
-            <a:extLst>
-              <a:ext uri="{FF2B5EF4-FFF2-40B4-BE49-F238E27FC236}">
-                <a16:creationId xmlns:a16="http://schemas.microsoft.com/office/drawing/2014/main" id="{BAFF40FE-200B-B74F-85B5-75E78CD2BDD3}"/>
-              </a:ext>
-            </a:extLst>
-          </p:cNvPr>
-          <p:cNvPicPr>
-            <a:picLocks noChangeAspect="1" noChangeArrowheads="1"/>
-          </p:cNvPicPr>
-          <p:nvPr/>
-        </p:nvPicPr>
-        <p:blipFill>
-          <a:blip r:embed="rId13">
-            <a:extLst>
-              <a:ext uri="{28A0092B-C50C-407E-A947-70E740481C1C}">
-                <a14:useLocalDpi xmlns:a14="http://schemas.microsoft.com/office/drawing/2010/main" val="0"/>
-              </a:ext>
-            </a:extLst>
-          </a:blip>
-          <a:srcRect/>
-          <a:stretch>
-            <a:fillRect/>
-          </a:stretch>
-        </p:blipFill>
-        <p:spPr bwMode="auto">
-          <a:xfrm>
-            <a:off x="4060826" y="4279900"/>
-            <a:ext cx="1858963" cy="1493838"/>
-          </a:xfrm>
-          <a:prstGeom prst="rect">
-            <a:avLst/>
-          </a:prstGeom>
-          <a:noFill/>
-          <a:extLst>
-            <a:ext uri="{909E8E84-426E-40DD-AFC4-6F175D3DCCD1}">
-              <a14:hiddenFill xmlns:a14="http://schemas.microsoft.com/office/drawing/2010/main">
-                <a:solidFill>
-                  <a:srgbClr val="FFFFFF"/>
-                </a:solidFill>
-              </a14:hiddenFill>
-            </a:ext>
-          </a:extLst>
-        </p:spPr>
-      </p:pic>
-      <p:pic>
-        <p:nvPicPr>
-          <p:cNvPr id="65551" name="Picture 15">
-            <a:extLst>
-              <a:ext uri="{FF2B5EF4-FFF2-40B4-BE49-F238E27FC236}">
-                <a16:creationId xmlns:a16="http://schemas.microsoft.com/office/drawing/2014/main" id="{803D95D6-8A0E-3249-BA5A-AB5A5CA17D18}"/>
-              </a:ext>
-            </a:extLst>
-          </p:cNvPr>
-          <p:cNvPicPr>
-            <a:picLocks noChangeAspect="1" noChangeArrowheads="1"/>
-          </p:cNvPicPr>
-          <p:nvPr/>
-        </p:nvPicPr>
-        <p:blipFill>
-          <a:blip r:embed="rId14">
-            <a:extLst>
-              <a:ext uri="{28A0092B-C50C-407E-A947-70E740481C1C}">
-                <a14:useLocalDpi xmlns:a14="http://schemas.microsoft.com/office/drawing/2010/main" val="0"/>
-              </a:ext>
-            </a:extLst>
-          </a:blip>
-          <a:srcRect/>
-          <a:stretch>
-            <a:fillRect/>
-          </a:stretch>
-        </p:blipFill>
-        <p:spPr bwMode="auto">
-          <a:xfrm>
-            <a:off x="4022726" y="1120775"/>
-            <a:ext cx="1858963" cy="1493838"/>
-          </a:xfrm>
-          <a:prstGeom prst="rect">
-            <a:avLst/>
-          </a:prstGeom>
-          <a:noFill/>
-          <a:extLst>
-            <a:ext uri="{909E8E84-426E-40DD-AFC4-6F175D3DCCD1}">
-              <a14:hiddenFill xmlns:a14="http://schemas.microsoft.com/office/drawing/2010/main">
-                <a:solidFill>
-                  <a:srgbClr val="FFFFFF"/>
-                </a:solidFill>
-              </a14:hiddenFill>
-            </a:ext>
-          </a:extLst>
-        </p:spPr>
-      </p:pic>
-    </p:spTree>
-    <p:extLst>
-      <p:ext uri="{BB962C8B-B14F-4D97-AF65-F5344CB8AC3E}">
-        <p14:creationId xmlns:p14="http://schemas.microsoft.com/office/powerpoint/2010/main" val="2107371026"/>
-      </p:ext>
-    </p:extLst>
-  </p:cSld>
-  <p:clrMapOvr>
-    <a:masterClrMapping/>
-  </p:clrMapOvr>
-</p:sld>
-</file>
-
-<file path=ppt/slides/slide9.xml><?xml version="1.0" encoding="utf-8"?>
-<p:sld xmlns:a="http://schemas.openxmlformats.org/drawingml/2006/main" xmlns:r="http://schemas.openxmlformats.org/officeDocument/2006/relationships" xmlns:p="http://schemas.openxmlformats.org/presentationml/2006/main">
-  <p:cSld>
-    <p:spTree>
-      <p:nvGrpSpPr>
-        <p:cNvPr id="1" name=""/>
-        <p:cNvGrpSpPr/>
-        <p:nvPr/>
-      </p:nvGrpSpPr>
-      <p:grpSpPr>
-        <a:xfrm>
-          <a:off x="0" y="0"/>
-          <a:ext cx="0" cy="0"/>
-          <a:chOff x="0" y="0"/>
-          <a:chExt cx="0" cy="0"/>
-        </a:xfrm>
-      </p:grpSpPr>
-      <p:sp>
-        <p:nvSpPr>
-          <p:cNvPr id="7" name="Slide Number Placeholder 5">
-            <a:extLst>
-              <a:ext uri="{FF2B5EF4-FFF2-40B4-BE49-F238E27FC236}">
-                <a16:creationId xmlns:a16="http://schemas.microsoft.com/office/drawing/2014/main" id="{50562C8B-C20A-C64B-A375-D0D7CCE149DB}"/>
-              </a:ext>
-            </a:extLst>
-          </p:cNvPr>
-          <p:cNvSpPr>
-            <a:spLocks noGrp="1"/>
-          </p:cNvSpPr>
-          <p:nvPr>
-            <p:ph type="sldNum" sz="quarter" idx="12"/>
-          </p:nvPr>
-        </p:nvSpPr>
-        <p:spPr/>
-        <p:txBody>
-          <a:bodyPr/>
-          <a:lstStyle/>
-          <a:p>
-            <a:fld id="{A654F7F9-6D07-E24A-B7CF-BABC3DE3051C}" type="slidenum">
-              <a:rPr lang="en-US" altLang="en-US"/>
-              <a:pPr/>
-              <a:t>9</a:t>
-            </a:fld>
-            <a:endParaRPr lang="en-US" altLang="en-US"/>
-          </a:p>
-        </p:txBody>
-      </p:sp>
-      <p:sp>
-        <p:nvSpPr>
-          <p:cNvPr id="93186" name="Rectangle 2">
-            <a:extLst>
-              <a:ext uri="{FF2B5EF4-FFF2-40B4-BE49-F238E27FC236}">
-                <a16:creationId xmlns:a16="http://schemas.microsoft.com/office/drawing/2014/main" id="{B3F22F4C-3976-AB4E-9D78-2FF8F1874903}"/>
-              </a:ext>
-            </a:extLst>
-          </p:cNvPr>
-          <p:cNvSpPr>
-            <a:spLocks noGrp="1" noChangeArrowheads="1"/>
-          </p:cNvSpPr>
-          <p:nvPr>
-            <p:ph type="title"/>
-          </p:nvPr>
-        </p:nvSpPr>
-        <p:spPr>
-          <a:xfrm>
-            <a:off x="684857" y="196502"/>
-            <a:ext cx="8531225" cy="1143000"/>
-          </a:xfrm>
-        </p:spPr>
-        <p:txBody>
-          <a:bodyPr/>
-          <a:lstStyle/>
-          <a:p>
-            <a:r>
-              <a:rPr lang="en-US" altLang="en-US" sz="3200" dirty="0"/>
-              <a:t>Dimensionality Reduction on Traffic Flows</a:t>
-            </a:r>
-          </a:p>
-        </p:txBody>
-      </p:sp>
-      <p:pic>
-        <p:nvPicPr>
-          <p:cNvPr id="93187" name="Picture 3">
-            <a:extLst>
-              <a:ext uri="{FF2B5EF4-FFF2-40B4-BE49-F238E27FC236}">
-                <a16:creationId xmlns:a16="http://schemas.microsoft.com/office/drawing/2014/main" id="{0C6430C8-5ECC-8641-B70C-FB0C740C96F6}"/>
-              </a:ext>
-            </a:extLst>
-          </p:cNvPr>
-          <p:cNvPicPr>
-            <a:picLocks noChangeAspect="1" noChangeArrowheads="1"/>
-          </p:cNvPicPr>
-          <p:nvPr>
-            <p:ph idx="1"/>
-          </p:nvPr>
-        </p:nvPicPr>
-        <p:blipFill>
-          <a:blip r:embed="rId3">
-            <a:lum contrast="40000"/>
-            <a:extLst>
-              <a:ext uri="{28A0092B-C50C-407E-A947-70E740481C1C}">
-                <a14:useLocalDpi xmlns:a14="http://schemas.microsoft.com/office/drawing/2010/main" val="0"/>
-              </a:ext>
-            </a:extLst>
-          </a:blip>
-          <a:srcRect/>
-          <a:stretch>
-            <a:fillRect/>
-          </a:stretch>
-        </p:blipFill>
-        <p:spPr>
-          <a:xfrm>
-            <a:off x="1905000" y="1524000"/>
-            <a:ext cx="7311082" cy="4407507"/>
-          </a:xfrm>
-          <a:noFill/>
-          <a:ln/>
-        </p:spPr>
-      </p:pic>
-    </p:spTree>
-    <p:extLst>
-      <p:ext uri="{BB962C8B-B14F-4D97-AF65-F5344CB8AC3E}">
-        <p14:creationId xmlns:p14="http://schemas.microsoft.com/office/powerpoint/2010/main" val="1007544766"/>
       </p:ext>
     </p:extLst>
   </p:cSld>

--- a/module-2/ppt/2.5-Unsupervised Learning.pptx
+++ b/module-2/ppt/2.5-Unsupervised Learning.pptx
@@ -6,7 +6,7 @@
     <p:sldMasterId id="2147483676" r:id="rId2"/>
   </p:sldMasterIdLst>
   <p:notesMasterIdLst>
-    <p:notesMasterId r:id="rId21"/>
+    <p:notesMasterId r:id="rId23"/>
   </p:notesMasterIdLst>
   <p:sldIdLst>
     <p:sldId id="2602" r:id="rId3"/>
@@ -23,10 +23,12 @@
     <p:sldId id="259" r:id="rId14"/>
     <p:sldId id="271" r:id="rId15"/>
     <p:sldId id="2606" r:id="rId16"/>
-    <p:sldId id="2613" r:id="rId17"/>
-    <p:sldId id="2614" r:id="rId18"/>
-    <p:sldId id="2616" r:id="rId19"/>
-    <p:sldId id="2615" r:id="rId20"/>
+    <p:sldId id="2614" r:id="rId17"/>
+    <p:sldId id="2617" r:id="rId18"/>
+    <p:sldId id="2618" r:id="rId19"/>
+    <p:sldId id="2613" r:id="rId20"/>
+    <p:sldId id="2615" r:id="rId21"/>
+    <p:sldId id="2616" r:id="rId22"/>
   </p:sldIdLst>
   <p:sldSz cx="12192000" cy="6858000"/>
   <p:notesSz cx="6858000" cy="9144000"/>
@@ -215,7 +217,7 @@
           <a:p>
             <a:fld id="{FE783572-DABC-CB47-8E98-F4B982F59C98}" type="datetimeFigureOut">
               <a:rPr lang="en-US" smtClean="0"/>
-              <a:t>11/16/20</a:t>
+              <a:t>2/2/21</a:t>
             </a:fld>
             <a:endParaRPr lang="en-US"/>
           </a:p>
@@ -483,6 +485,101 @@
 </file>
 
 <file path=ppt/notesSlides/notesSlide1.xml><?xml version="1.0" encoding="utf-8"?>
+<p:notes xmlns:a="http://schemas.openxmlformats.org/drawingml/2006/main" xmlns:r="http://schemas.openxmlformats.org/officeDocument/2006/relationships" xmlns:p="http://schemas.openxmlformats.org/presentationml/2006/main">
+  <p:cSld>
+    <p:spTree>
+      <p:nvGrpSpPr>
+        <p:cNvPr id="1" name=""/>
+        <p:cNvGrpSpPr/>
+        <p:nvPr/>
+      </p:nvGrpSpPr>
+      <p:grpSpPr>
+        <a:xfrm>
+          <a:off x="0" y="0"/>
+          <a:ext cx="0" cy="0"/>
+          <a:chOff x="0" y="0"/>
+          <a:chExt cx="0" cy="0"/>
+        </a:xfrm>
+      </p:grpSpPr>
+      <p:sp>
+        <p:nvSpPr>
+          <p:cNvPr id="2" name="Slide Image Placeholder 1"/>
+          <p:cNvSpPr>
+            <a:spLocks noGrp="1" noRot="1" noChangeAspect="1"/>
+          </p:cNvSpPr>
+          <p:nvPr>
+            <p:ph type="sldImg"/>
+          </p:nvPr>
+        </p:nvSpPr>
+        <p:spPr/>
+      </p:sp>
+      <p:sp>
+        <p:nvSpPr>
+          <p:cNvPr id="3" name="Notes Placeholder 2"/>
+          <p:cNvSpPr>
+            <a:spLocks noGrp="1"/>
+          </p:cNvSpPr>
+          <p:nvPr>
+            <p:ph type="body" idx="1"/>
+          </p:nvPr>
+        </p:nvSpPr>
+        <p:spPr/>
+        <p:txBody>
+          <a:bodyPr/>
+          <a:lstStyle/>
+          <a:p>
+            <a:r>
+              <a:rPr lang="en-US" dirty="0"/>
+              <a:t>Duplicate of </a:t>
+            </a:r>
+            <a:r>
+              <a:rPr lang="en-US" dirty="0" err="1"/>
+              <a:t>Yuxin’s</a:t>
+            </a:r>
+            <a:r>
+              <a:rPr lang="en-US" dirty="0"/>
+              <a:t> work?</a:t>
+            </a:r>
+          </a:p>
+        </p:txBody>
+      </p:sp>
+      <p:sp>
+        <p:nvSpPr>
+          <p:cNvPr id="4" name="Slide Number Placeholder 3"/>
+          <p:cNvSpPr>
+            <a:spLocks noGrp="1"/>
+          </p:cNvSpPr>
+          <p:nvPr>
+            <p:ph type="sldNum" sz="quarter" idx="5"/>
+          </p:nvPr>
+        </p:nvSpPr>
+        <p:spPr/>
+        <p:txBody>
+          <a:bodyPr/>
+          <a:lstStyle/>
+          <a:p>
+            <a:fld id="{950ED812-2A62-434E-B401-B9DFC63D1DD9}" type="slidenum">
+              <a:rPr lang="en-US" smtClean="0"/>
+              <a:t>4</a:t>
+            </a:fld>
+            <a:endParaRPr lang="en-US"/>
+          </a:p>
+        </p:txBody>
+      </p:sp>
+    </p:spTree>
+    <p:extLst>
+      <p:ext uri="{BB962C8B-B14F-4D97-AF65-F5344CB8AC3E}">
+        <p14:creationId xmlns:p14="http://schemas.microsoft.com/office/powerpoint/2010/main" val="3116581876"/>
+      </p:ext>
+    </p:extLst>
+  </p:cSld>
+  <p:clrMapOvr>
+    <a:masterClrMapping/>
+  </p:clrMapOvr>
+</p:notes>
+</file>
+
+<file path=ppt/notesSlides/notesSlide2.xml><?xml version="1.0" encoding="utf-8"?>
 <p:notes xmlns:a="http://schemas.openxmlformats.org/drawingml/2006/main" xmlns:r="http://schemas.openxmlformats.org/officeDocument/2006/relationships" xmlns:p="http://schemas.openxmlformats.org/presentationml/2006/main" showMasterSp="0" showMasterPhAnim="0">
   <p:cSld>
     <p:spTree>
@@ -591,175 +688,6 @@
 </p:notes>
 </file>
 
-<file path=ppt/notesSlides/notesSlide2.xml><?xml version="1.0" encoding="utf-8"?>
-<p:notes xmlns:a="http://schemas.openxmlformats.org/drawingml/2006/main" xmlns:r="http://schemas.openxmlformats.org/officeDocument/2006/relationships" xmlns:p="http://schemas.openxmlformats.org/presentationml/2006/main">
-  <p:cSld>
-    <p:spTree>
-      <p:nvGrpSpPr>
-        <p:cNvPr id="1" name=""/>
-        <p:cNvGrpSpPr/>
-        <p:nvPr/>
-      </p:nvGrpSpPr>
-      <p:grpSpPr>
-        <a:xfrm>
-          <a:off x="0" y="0"/>
-          <a:ext cx="0" cy="0"/>
-          <a:chOff x="0" y="0"/>
-          <a:chExt cx="0" cy="0"/>
-        </a:xfrm>
-      </p:grpSpPr>
-      <p:sp>
-        <p:nvSpPr>
-          <p:cNvPr id="7" name="Rectangle 7">
-            <a:extLst>
-              <a:ext uri="{FF2B5EF4-FFF2-40B4-BE49-F238E27FC236}">
-                <a16:creationId xmlns:a16="http://schemas.microsoft.com/office/drawing/2014/main" id="{C396F4EE-E448-CD41-9257-2036EA1344E7}"/>
-              </a:ext>
-            </a:extLst>
-          </p:cNvPr>
-          <p:cNvSpPr>
-            <a:spLocks noGrp="1" noChangeArrowheads="1"/>
-          </p:cNvSpPr>
-          <p:nvPr>
-            <p:ph type="sldNum" sz="quarter" idx="5"/>
-          </p:nvPr>
-        </p:nvSpPr>
-        <p:spPr>
-          <a:ln/>
-        </p:spPr>
-        <p:txBody>
-          <a:bodyPr/>
-          <a:lstStyle/>
-          <a:p>
-            <a:fld id="{3A571363-BE90-3D4D-B9A1-B9FD3D54EFCE}" type="slidenum">
-              <a:rPr lang="en-US" altLang="en-US"/>
-              <a:pPr/>
-              <a:t>7</a:t>
-            </a:fld>
-            <a:endParaRPr lang="en-US" altLang="en-US"/>
-          </a:p>
-        </p:txBody>
-      </p:sp>
-      <p:sp>
-        <p:nvSpPr>
-          <p:cNvPr id="70658" name="Rectangle 2">
-            <a:extLst>
-              <a:ext uri="{FF2B5EF4-FFF2-40B4-BE49-F238E27FC236}">
-                <a16:creationId xmlns:a16="http://schemas.microsoft.com/office/drawing/2014/main" id="{9BF36FBF-4955-EC40-8CDD-5E75E9ED9136}"/>
-              </a:ext>
-            </a:extLst>
-          </p:cNvPr>
-          <p:cNvSpPr>
-            <a:spLocks noGrp="1" noRot="1" noChangeAspect="1" noChangeArrowheads="1" noTextEdit="1"/>
-          </p:cNvSpPr>
-          <p:nvPr>
-            <p:ph type="sldImg"/>
-          </p:nvPr>
-        </p:nvSpPr>
-        <p:spPr>
-          <a:ln/>
-        </p:spPr>
-      </p:sp>
-      <p:sp>
-        <p:nvSpPr>
-          <p:cNvPr id="70659" name="Rectangle 3">
-            <a:extLst>
-              <a:ext uri="{FF2B5EF4-FFF2-40B4-BE49-F238E27FC236}">
-                <a16:creationId xmlns:a16="http://schemas.microsoft.com/office/drawing/2014/main" id="{AAC1E609-A71B-6947-A327-66225D13A929}"/>
-              </a:ext>
-            </a:extLst>
-          </p:cNvPr>
-          <p:cNvSpPr>
-            <a:spLocks noGrp="1" noChangeArrowheads="1"/>
-          </p:cNvSpPr>
-          <p:nvPr>
-            <p:ph type="body" idx="1"/>
-          </p:nvPr>
-        </p:nvSpPr>
-        <p:spPr>
-          <a:xfrm>
-            <a:off x="685800" y="4344988"/>
-            <a:ext cx="5486400" cy="4113212"/>
-          </a:xfrm>
-        </p:spPr>
-        <p:txBody>
-          <a:bodyPr/>
-          <a:lstStyle/>
-          <a:p>
-            <a:r>
-              <a:rPr lang="en-US" altLang="en-US"/>
-              <a:t>At its heart PCA is a coordinate transformation method, best shown by an example.</a:t>
-            </a:r>
-          </a:p>
-          <a:p>
-            <a:endParaRPr lang="en-US" altLang="en-US"/>
-          </a:p>
-          <a:p>
-            <a:r>
-              <a:rPr lang="en-US" altLang="en-US"/>
-              <a:t>On the left we have some data in their original axis representation, an XY axis.   The data is a set of correlated rv as defined by this ellipse here.</a:t>
-            </a:r>
-          </a:p>
-          <a:p>
-            <a:r>
-              <a:rPr lang="en-US" altLang="en-US"/>
-              <a:t>PCA works by finding a new set of axis to describe this data, called the pc axis.</a:t>
-            </a:r>
-          </a:p>
-          <a:p>
-            <a:endParaRPr lang="en-US" altLang="en-US"/>
-          </a:p>
-          <a:p>
-            <a:r>
-              <a:rPr lang="en-US" altLang="en-US"/>
-              <a:t>These axis have two special properties:</a:t>
-            </a:r>
-          </a:p>
-          <a:p>
-            <a:r>
-              <a:rPr lang="en-US" altLang="en-US"/>
-              <a:t>First, each PC axis captured the max energy in the data.  And second, they are orthogonal to each other. </a:t>
-            </a:r>
-          </a:p>
-          <a:p>
-            <a:r>
-              <a:rPr lang="en-US" altLang="en-US"/>
-              <a:t>Ex, PC1 here basically amounts to a linear regression of the 2d data. </a:t>
-            </a:r>
-          </a:p>
-          <a:p>
-            <a:endParaRPr lang="en-US" altLang="en-US"/>
-          </a:p>
-          <a:p>
-            <a:r>
-              <a:rPr lang="en-US" altLang="en-US"/>
-              <a:t>Once these axis are formed, each ponit x1 x2 in the original data can be now described in the new coordinate space, formed by the pc axis, as u1 u2.</a:t>
-            </a:r>
-          </a:p>
-          <a:p>
-            <a:endParaRPr lang="en-US" altLang="en-US"/>
-          </a:p>
-          <a:p>
-            <a:r>
-              <a:rPr lang="en-US" altLang="en-US"/>
-              <a:t>All we’ve done therefore is to find a new set of axis and map the original data in the new axis. </a:t>
-            </a:r>
-          </a:p>
-        </p:txBody>
-      </p:sp>
-    </p:spTree>
-    <p:extLst>
-      <p:ext uri="{BB962C8B-B14F-4D97-AF65-F5344CB8AC3E}">
-        <p14:creationId xmlns:p14="http://schemas.microsoft.com/office/powerpoint/2010/main" val="3652591400"/>
-      </p:ext>
-    </p:extLst>
-  </p:cSld>
-  <p:clrMapOvr>
-    <a:masterClrMapping/>
-  </p:clrMapOvr>
-</p:notes>
-</file>
-
 <file path=ppt/notesSlides/notesSlide3.xml><?xml version="1.0" encoding="utf-8"?>
 <p:notes xmlns:a="http://schemas.openxmlformats.org/drawingml/2006/main" xmlns:r="http://schemas.openxmlformats.org/officeDocument/2006/relationships" xmlns:p="http://schemas.openxmlformats.org/presentationml/2006/main">
   <p:cSld>
@@ -782,7 +710,7 @@
           <p:cNvPr id="7" name="Rectangle 7">
             <a:extLst>
               <a:ext uri="{FF2B5EF4-FFF2-40B4-BE49-F238E27FC236}">
-                <a16:creationId xmlns:a16="http://schemas.microsoft.com/office/drawing/2014/main" id="{62E990B6-A1B9-8241-AE0E-75425FF05927}"/>
+                <a16:creationId xmlns:a16="http://schemas.microsoft.com/office/drawing/2014/main" id="{C396F4EE-E448-CD41-9257-2036EA1344E7}"/>
               </a:ext>
             </a:extLst>
           </p:cNvPr>
@@ -800,10 +728,10 @@
           <a:bodyPr/>
           <a:lstStyle/>
           <a:p>
-            <a:fld id="{1579448A-5404-F342-BED0-76BF78D6AF7A}" type="slidenum">
+            <a:fld id="{3A571363-BE90-3D4D-B9A1-B9FD3D54EFCE}" type="slidenum">
               <a:rPr lang="en-US" altLang="en-US"/>
               <a:pPr/>
-              <a:t>8</a:t>
+              <a:t>7</a:t>
             </a:fld>
             <a:endParaRPr lang="en-US" altLang="en-US"/>
           </a:p>
@@ -811,10 +739,10 @@
       </p:sp>
       <p:sp>
         <p:nvSpPr>
-          <p:cNvPr id="72706" name="Rectangle 2">
-            <a:extLst>
-              <a:ext uri="{FF2B5EF4-FFF2-40B4-BE49-F238E27FC236}">
-                <a16:creationId xmlns:a16="http://schemas.microsoft.com/office/drawing/2014/main" id="{F2972417-316E-E94C-9B8B-E42123C91C8F}"/>
+          <p:cNvPr id="70658" name="Rectangle 2">
+            <a:extLst>
+              <a:ext uri="{FF2B5EF4-FFF2-40B4-BE49-F238E27FC236}">
+                <a16:creationId xmlns:a16="http://schemas.microsoft.com/office/drawing/2014/main" id="{9BF36FBF-4955-EC40-8CDD-5E75E9ED9136}"/>
               </a:ext>
             </a:extLst>
           </p:cNvPr>
@@ -831,10 +759,10 @@
       </p:sp>
       <p:sp>
         <p:nvSpPr>
-          <p:cNvPr id="72707" name="Rectangle 3">
-            <a:extLst>
-              <a:ext uri="{FF2B5EF4-FFF2-40B4-BE49-F238E27FC236}">
-                <a16:creationId xmlns:a16="http://schemas.microsoft.com/office/drawing/2014/main" id="{C6EAFAC2-A77D-BB4B-A228-FA0A09D598B9}"/>
+          <p:cNvPr id="70659" name="Rectangle 3">
+            <a:extLst>
+              <a:ext uri="{FF2B5EF4-FFF2-40B4-BE49-F238E27FC236}">
+                <a16:creationId xmlns:a16="http://schemas.microsoft.com/office/drawing/2014/main" id="{AAC1E609-A71B-6947-A327-66225D13A929}"/>
               </a:ext>
             </a:extLst>
           </p:cNvPr>
@@ -857,7 +785,7 @@
           <a:p>
             <a:r>
               <a:rPr lang="en-US" altLang="en-US"/>
-              <a:t>Generalizinig this to OD flows is as follows.</a:t>
+              <a:t>At its heart PCA is a coordinate transformation method, best shown by an example.</a:t>
             </a:r>
           </a:p>
           <a:p>
@@ -866,13 +794,13 @@
           <a:p>
             <a:r>
               <a:rPr lang="en-US" altLang="en-US"/>
-              <a:t>Each PC captures the maximum energy in the data.</a:t>
+              <a:t>On the left we have some data in their original axis representation, an XY axis.   The data is a set of correlated rv as defined by this ellipse here.</a:t>
             </a:r>
           </a:p>
           <a:p>
             <a:r>
               <a:rPr lang="en-US" altLang="en-US"/>
-              <a:t>In this way, the PCs are ordered by the amount of energy they capture.</a:t>
+              <a:t>PCA works by finding a new set of axis to describe this data, called the pc axis.</a:t>
             </a:r>
           </a:p>
           <a:p>
@@ -881,7 +809,19 @@
           <a:p>
             <a:r>
               <a:rPr lang="en-US" altLang="en-US"/>
-              <a:t>The transformed points, the u1 u2 in the last slide, are what we call eigenflows now.  Each eigenflow is a mapping of the OD flows onto a PC.  Therefore, each eigenflow is a timeseries that captures a trend common across all OD flows.</a:t>
+              <a:t>These axis have two special properties:</a:t>
+            </a:r>
+          </a:p>
+          <a:p>
+            <a:r>
+              <a:rPr lang="en-US" altLang="en-US"/>
+              <a:t>First, each PC axis captured the max energy in the data.  And second, they are orthogonal to each other. </a:t>
+            </a:r>
+          </a:p>
+          <a:p>
+            <a:r>
+              <a:rPr lang="en-US" altLang="en-US"/>
+              <a:t>Ex, PC1 here basically amounts to a linear regression of the 2d data. </a:t>
             </a:r>
           </a:p>
           <a:p>
@@ -890,7 +830,16 @@
           <a:p>
             <a:r>
               <a:rPr lang="en-US" altLang="en-US"/>
-              <a:t>Because the PCs are ordered by their energy,  the eigenflows are also ordered by importance – from the trend that’s most common to the trend that is least common in all the OD flows.</a:t>
+              <a:t>Once these axis are formed, each ponit x1 x2 in the original data can be now described in the new coordinate space, formed by the pc axis, as u1 u2.</a:t>
+            </a:r>
+          </a:p>
+          <a:p>
+            <a:endParaRPr lang="en-US" altLang="en-US"/>
+          </a:p>
+          <a:p>
+            <a:r>
+              <a:rPr lang="en-US" altLang="en-US"/>
+              <a:t>All we’ve done therefore is to find a new set of axis and map the original data in the new axis. </a:t>
             </a:r>
           </a:p>
         </p:txBody>
@@ -898,7 +847,7 @@
     </p:spTree>
     <p:extLst>
       <p:ext uri="{BB962C8B-B14F-4D97-AF65-F5344CB8AC3E}">
-        <p14:creationId xmlns:p14="http://schemas.microsoft.com/office/powerpoint/2010/main" val="4170583199"/>
+        <p14:creationId xmlns:p14="http://schemas.microsoft.com/office/powerpoint/2010/main" val="3652591400"/>
       </p:ext>
     </p:extLst>
   </p:cSld>
@@ -930,7 +879,7 @@
           <p:cNvPr id="7" name="Rectangle 7">
             <a:extLst>
               <a:ext uri="{FF2B5EF4-FFF2-40B4-BE49-F238E27FC236}">
-                <a16:creationId xmlns:a16="http://schemas.microsoft.com/office/drawing/2014/main" id="{463CBE8E-42DE-2643-9839-1ACD68A2049F}"/>
+                <a16:creationId xmlns:a16="http://schemas.microsoft.com/office/drawing/2014/main" id="{62E990B6-A1B9-8241-AE0E-75425FF05927}"/>
               </a:ext>
             </a:extLst>
           </p:cNvPr>
@@ -948,10 +897,10 @@
           <a:bodyPr/>
           <a:lstStyle/>
           <a:p>
-            <a:fld id="{708671A4-2E59-224F-BC86-6A72659DF584}" type="slidenum">
+            <a:fld id="{1579448A-5404-F342-BED0-76BF78D6AF7A}" type="slidenum">
               <a:rPr lang="en-US" altLang="en-US"/>
               <a:pPr/>
-              <a:t>10</a:t>
+              <a:t>8</a:t>
             </a:fld>
             <a:endParaRPr lang="en-US" altLang="en-US"/>
           </a:p>
@@ -959,10 +908,10 @@
       </p:sp>
       <p:sp>
         <p:nvSpPr>
-          <p:cNvPr id="66562" name="Rectangle 2">
-            <a:extLst>
-              <a:ext uri="{FF2B5EF4-FFF2-40B4-BE49-F238E27FC236}">
-                <a16:creationId xmlns:a16="http://schemas.microsoft.com/office/drawing/2014/main" id="{3E40990E-7380-6E49-A156-D1BD568B36F4}"/>
+          <p:cNvPr id="72706" name="Rectangle 2">
+            <a:extLst>
+              <a:ext uri="{FF2B5EF4-FFF2-40B4-BE49-F238E27FC236}">
+                <a16:creationId xmlns:a16="http://schemas.microsoft.com/office/drawing/2014/main" id="{F2972417-316E-E94C-9B8B-E42123C91C8F}"/>
               </a:ext>
             </a:extLst>
           </p:cNvPr>
@@ -979,10 +928,10 @@
       </p:sp>
       <p:sp>
         <p:nvSpPr>
-          <p:cNvPr id="66563" name="Rectangle 3">
-            <a:extLst>
-              <a:ext uri="{FF2B5EF4-FFF2-40B4-BE49-F238E27FC236}">
-                <a16:creationId xmlns:a16="http://schemas.microsoft.com/office/drawing/2014/main" id="{D6A14D01-07AD-364D-BBCC-7C6EF66AAC8C}"/>
+          <p:cNvPr id="72707" name="Rectangle 3">
+            <a:extLst>
+              <a:ext uri="{FF2B5EF4-FFF2-40B4-BE49-F238E27FC236}">
+                <a16:creationId xmlns:a16="http://schemas.microsoft.com/office/drawing/2014/main" id="{C6EAFAC2-A77D-BB4B-A228-FA0A09D598B9}"/>
               </a:ext>
             </a:extLst>
           </p:cNvPr>
@@ -1005,7 +954,40 @@
           <a:p>
             <a:r>
               <a:rPr lang="en-US" altLang="en-US"/>
-              <a:t>So having done all this data processing, here are example of some sample OD flows.    </a:t>
+              <a:t>Generalizinig this to OD flows is as follows.</a:t>
+            </a:r>
+          </a:p>
+          <a:p>
+            <a:endParaRPr lang="en-US" altLang="en-US"/>
+          </a:p>
+          <a:p>
+            <a:r>
+              <a:rPr lang="en-US" altLang="en-US"/>
+              <a:t>Each PC captures the maximum energy in the data.</a:t>
+            </a:r>
+          </a:p>
+          <a:p>
+            <a:r>
+              <a:rPr lang="en-US" altLang="en-US"/>
+              <a:t>In this way, the PCs are ordered by the amount of energy they capture.</a:t>
+            </a:r>
+          </a:p>
+          <a:p>
+            <a:endParaRPr lang="en-US" altLang="en-US"/>
+          </a:p>
+          <a:p>
+            <a:r>
+              <a:rPr lang="en-US" altLang="en-US"/>
+              <a:t>The transformed points, the u1 u2 in the last slide, are what we call eigenflows now.  Each eigenflow is a mapping of the OD flows onto a PC.  Therefore, each eigenflow is a timeseries that captures a trend common across all OD flows.</a:t>
+            </a:r>
+          </a:p>
+          <a:p>
+            <a:endParaRPr lang="en-US" altLang="en-US"/>
+          </a:p>
+          <a:p>
+            <a:r>
+              <a:rPr lang="en-US" altLang="en-US"/>
+              <a:t>Because the PCs are ordered by their energy,  the eigenflows are also ordered by importance – from the trend that’s most common to the trend that is least common in all the OD flows.</a:t>
             </a:r>
           </a:p>
         </p:txBody>
@@ -1013,7 +995,7 @@
     </p:spTree>
     <p:extLst>
       <p:ext uri="{BB962C8B-B14F-4D97-AF65-F5344CB8AC3E}">
-        <p14:creationId xmlns:p14="http://schemas.microsoft.com/office/powerpoint/2010/main" val="3524966524"/>
+        <p14:creationId xmlns:p14="http://schemas.microsoft.com/office/powerpoint/2010/main" val="4170583199"/>
       </p:ext>
     </p:extLst>
   </p:cSld>
@@ -1045,7 +1027,7 @@
           <p:cNvPr id="7" name="Rectangle 7">
             <a:extLst>
               <a:ext uri="{FF2B5EF4-FFF2-40B4-BE49-F238E27FC236}">
-                <a16:creationId xmlns:a16="http://schemas.microsoft.com/office/drawing/2014/main" id="{59EBAB0F-11F0-864C-AB70-3C5E24AA7E22}"/>
+                <a16:creationId xmlns:a16="http://schemas.microsoft.com/office/drawing/2014/main" id="{463CBE8E-42DE-2643-9839-1ACD68A2049F}"/>
               </a:ext>
             </a:extLst>
           </p:cNvPr>
@@ -1063,10 +1045,10 @@
           <a:bodyPr/>
           <a:lstStyle/>
           <a:p>
-            <a:fld id="{CF0FA602-7DE6-1249-B5CE-B1991E003956}" type="slidenum">
+            <a:fld id="{708671A4-2E59-224F-BC86-6A72659DF584}" type="slidenum">
               <a:rPr lang="en-US" altLang="en-US"/>
               <a:pPr/>
-              <a:t>11</a:t>
+              <a:t>10</a:t>
             </a:fld>
             <a:endParaRPr lang="en-US" altLang="en-US"/>
           </a:p>
@@ -1074,10 +1056,10 @@
       </p:sp>
       <p:sp>
         <p:nvSpPr>
-          <p:cNvPr id="94210" name="Rectangle 2">
-            <a:extLst>
-              <a:ext uri="{FF2B5EF4-FFF2-40B4-BE49-F238E27FC236}">
-                <a16:creationId xmlns:a16="http://schemas.microsoft.com/office/drawing/2014/main" id="{A6372F84-7A1F-D942-9479-C8DFE4A7476E}"/>
+          <p:cNvPr id="66562" name="Rectangle 2">
+            <a:extLst>
+              <a:ext uri="{FF2B5EF4-FFF2-40B4-BE49-F238E27FC236}">
+                <a16:creationId xmlns:a16="http://schemas.microsoft.com/office/drawing/2014/main" id="{3E40990E-7380-6E49-A156-D1BD568B36F4}"/>
               </a:ext>
             </a:extLst>
           </p:cNvPr>
@@ -1094,10 +1076,10 @@
       </p:sp>
       <p:sp>
         <p:nvSpPr>
-          <p:cNvPr id="94211" name="Rectangle 3">
-            <a:extLst>
-              <a:ext uri="{FF2B5EF4-FFF2-40B4-BE49-F238E27FC236}">
-                <a16:creationId xmlns:a16="http://schemas.microsoft.com/office/drawing/2014/main" id="{86C612BF-FE35-AB44-89D9-757F00A215D5}"/>
+          <p:cNvPr id="66563" name="Rectangle 3">
+            <a:extLst>
+              <a:ext uri="{FF2B5EF4-FFF2-40B4-BE49-F238E27FC236}">
+                <a16:creationId xmlns:a16="http://schemas.microsoft.com/office/drawing/2014/main" id="{D6A14D01-07AD-364D-BBCC-7C6EF66AAC8C}"/>
               </a:ext>
             </a:extLst>
           </p:cNvPr>
@@ -1120,39 +1102,15 @@
           <a:p>
             <a:r>
               <a:rPr lang="en-US" altLang="en-US"/>
-              <a:t>Here is an example of eigenflows.  After visually inspecting the set of all eigenflows, three clear patterns emerged.  </a:t>
-            </a:r>
-          </a:p>
-          <a:p>
-            <a:endParaRPr lang="en-US" altLang="en-US"/>
-          </a:p>
-          <a:p>
-            <a:r>
-              <a:rPr lang="en-US" altLang="en-US"/>
-              <a:t>We have some eigenflows here that are periodic.</a:t>
-            </a:r>
-          </a:p>
-          <a:p>
-            <a:r>
-              <a:rPr lang="en-US" altLang="en-US"/>
-              <a:t>Some that have sharp sikes.</a:t>
-            </a:r>
-          </a:p>
-          <a:p>
-            <a:r>
-              <a:rPr lang="en-US" altLang="en-US"/>
-              <a:t>And these look roughly like noise.</a:t>
-            </a:r>
-          </a:p>
-          <a:p>
-            <a:endParaRPr lang="en-US" altLang="en-US"/>
+              <a:t>So having done all this data processing, here are example of some sample OD flows.    </a:t>
+            </a:r>
           </a:p>
         </p:txBody>
       </p:sp>
     </p:spTree>
     <p:extLst>
       <p:ext uri="{BB962C8B-B14F-4D97-AF65-F5344CB8AC3E}">
-        <p14:creationId xmlns:p14="http://schemas.microsoft.com/office/powerpoint/2010/main" val="3337479703"/>
+        <p14:creationId xmlns:p14="http://schemas.microsoft.com/office/powerpoint/2010/main" val="3524966524"/>
       </p:ext>
     </p:extLst>
   </p:cSld>
@@ -1184,7 +1142,7 @@
           <p:cNvPr id="7" name="Rectangle 7">
             <a:extLst>
               <a:ext uri="{FF2B5EF4-FFF2-40B4-BE49-F238E27FC236}">
-                <a16:creationId xmlns:a16="http://schemas.microsoft.com/office/drawing/2014/main" id="{3DF8FFD1-26B4-6F49-8237-AD41CCD966CA}"/>
+                <a16:creationId xmlns:a16="http://schemas.microsoft.com/office/drawing/2014/main" id="{59EBAB0F-11F0-864C-AB70-3C5E24AA7E22}"/>
               </a:ext>
             </a:extLst>
           </p:cNvPr>
@@ -1202,10 +1160,10 @@
           <a:bodyPr/>
           <a:lstStyle/>
           <a:p>
-            <a:fld id="{E7495FAB-F9A2-2142-82FE-3BCAC9512A48}" type="slidenum">
+            <a:fld id="{CF0FA602-7DE6-1249-B5CE-B1991E003956}" type="slidenum">
               <a:rPr lang="en-US" altLang="en-US"/>
               <a:pPr/>
-              <a:t>12</a:t>
+              <a:t>11</a:t>
             </a:fld>
             <a:endParaRPr lang="en-US" altLang="en-US"/>
           </a:p>
@@ -1213,10 +1171,10 @@
       </p:sp>
       <p:sp>
         <p:nvSpPr>
-          <p:cNvPr id="11266" name="Rectangle 2">
-            <a:extLst>
-              <a:ext uri="{FF2B5EF4-FFF2-40B4-BE49-F238E27FC236}">
-                <a16:creationId xmlns:a16="http://schemas.microsoft.com/office/drawing/2014/main" id="{EF0AB6E9-A757-6D4A-8830-57E563D639F5}"/>
+          <p:cNvPr id="94210" name="Rectangle 2">
+            <a:extLst>
+              <a:ext uri="{FF2B5EF4-FFF2-40B4-BE49-F238E27FC236}">
+                <a16:creationId xmlns:a16="http://schemas.microsoft.com/office/drawing/2014/main" id="{A6372F84-7A1F-D942-9479-C8DFE4A7476E}"/>
               </a:ext>
             </a:extLst>
           </p:cNvPr>
@@ -1233,10 +1191,10 @@
       </p:sp>
       <p:sp>
         <p:nvSpPr>
-          <p:cNvPr id="11267" name="Rectangle 3">
-            <a:extLst>
-              <a:ext uri="{FF2B5EF4-FFF2-40B4-BE49-F238E27FC236}">
-                <a16:creationId xmlns:a16="http://schemas.microsoft.com/office/drawing/2014/main" id="{A8A50E5F-F8E1-E141-B5F0-129A77555082}"/>
+          <p:cNvPr id="94211" name="Rectangle 3">
+            <a:extLst>
+              <a:ext uri="{FF2B5EF4-FFF2-40B4-BE49-F238E27FC236}">
+                <a16:creationId xmlns:a16="http://schemas.microsoft.com/office/drawing/2014/main" id="{86C612BF-FE35-AB44-89D9-757F00A215D5}"/>
               </a:ext>
             </a:extLst>
           </p:cNvPr>
@@ -1247,14 +1205,19 @@
             <p:ph type="body" idx="1"/>
           </p:nvPr>
         </p:nvSpPr>
-        <p:spPr/>
+        <p:spPr>
+          <a:xfrm>
+            <a:off x="685800" y="4344988"/>
+            <a:ext cx="5486400" cy="4113212"/>
+          </a:xfrm>
+        </p:spPr>
         <p:txBody>
           <a:bodyPr/>
           <a:lstStyle/>
           <a:p>
             <a:r>
               <a:rPr lang="en-US" altLang="en-US"/>
-              <a:t>Our work begins with the observation that the problems I just  mentioned are all really special cases of the more basic and general question:  is my network experiencing an unusual condition.</a:t>
+              <a:t>Here is an example of eigenflows.  After visually inspecting the set of all eigenflows, three clear patterns emerged.  </a:t>
             </a:r>
           </a:p>
           <a:p>
@@ -1263,25 +1226,19 @@
           <a:p>
             <a:r>
               <a:rPr lang="en-US" altLang="en-US"/>
-              <a:t>This is a pretty broad and difficult question and so to answer it, we separated it into 3-steps:</a:t>
+              <a:t>We have some eigenflows here that are periodic.</a:t>
             </a:r>
           </a:p>
           <a:p>
             <a:r>
               <a:rPr lang="en-US" altLang="en-US"/>
-              <a:t>The first step is to detect when something has gone wrong.  </a:t>
+              <a:t>Some that have sharp sikes.</a:t>
             </a:r>
           </a:p>
           <a:p>
             <a:r>
               <a:rPr lang="en-US" altLang="en-US"/>
-              <a:t>The next step is to identify what exactly it is,  perhaps an attack or an outage.  </a:t>
-            </a:r>
-          </a:p>
-          <a:p>
-            <a:r>
-              <a:rPr lang="en-US" altLang="en-US"/>
-              <a:t>And the final step is to quantify its impact, and if its great, to alert operators so that the necessary mitigation steps can be taken.</a:t>
+              <a:t>And these look roughly like noise.</a:t>
             </a:r>
           </a:p>
           <a:p>
@@ -1292,7 +1249,7 @@
     </p:spTree>
     <p:extLst>
       <p:ext uri="{BB962C8B-B14F-4D97-AF65-F5344CB8AC3E}">
-        <p14:creationId xmlns:p14="http://schemas.microsoft.com/office/powerpoint/2010/main" val="3063673191"/>
+        <p14:creationId xmlns:p14="http://schemas.microsoft.com/office/powerpoint/2010/main" val="3337479703"/>
       </p:ext>
     </p:extLst>
   </p:cSld>
@@ -1324,6 +1281,146 @@
           <p:cNvPr id="7" name="Rectangle 7">
             <a:extLst>
               <a:ext uri="{FF2B5EF4-FFF2-40B4-BE49-F238E27FC236}">
+                <a16:creationId xmlns:a16="http://schemas.microsoft.com/office/drawing/2014/main" id="{3DF8FFD1-26B4-6F49-8237-AD41CCD966CA}"/>
+              </a:ext>
+            </a:extLst>
+          </p:cNvPr>
+          <p:cNvSpPr>
+            <a:spLocks noGrp="1" noChangeArrowheads="1"/>
+          </p:cNvSpPr>
+          <p:nvPr>
+            <p:ph type="sldNum" sz="quarter" idx="5"/>
+          </p:nvPr>
+        </p:nvSpPr>
+        <p:spPr>
+          <a:ln/>
+        </p:spPr>
+        <p:txBody>
+          <a:bodyPr/>
+          <a:lstStyle/>
+          <a:p>
+            <a:fld id="{E7495FAB-F9A2-2142-82FE-3BCAC9512A48}" type="slidenum">
+              <a:rPr lang="en-US" altLang="en-US"/>
+              <a:pPr/>
+              <a:t>12</a:t>
+            </a:fld>
+            <a:endParaRPr lang="en-US" altLang="en-US"/>
+          </a:p>
+        </p:txBody>
+      </p:sp>
+      <p:sp>
+        <p:nvSpPr>
+          <p:cNvPr id="11266" name="Rectangle 2">
+            <a:extLst>
+              <a:ext uri="{FF2B5EF4-FFF2-40B4-BE49-F238E27FC236}">
+                <a16:creationId xmlns:a16="http://schemas.microsoft.com/office/drawing/2014/main" id="{EF0AB6E9-A757-6D4A-8830-57E563D639F5}"/>
+              </a:ext>
+            </a:extLst>
+          </p:cNvPr>
+          <p:cNvSpPr>
+            <a:spLocks noGrp="1" noRot="1" noChangeAspect="1" noChangeArrowheads="1" noTextEdit="1"/>
+          </p:cNvSpPr>
+          <p:nvPr>
+            <p:ph type="sldImg"/>
+          </p:nvPr>
+        </p:nvSpPr>
+        <p:spPr>
+          <a:ln/>
+        </p:spPr>
+      </p:sp>
+      <p:sp>
+        <p:nvSpPr>
+          <p:cNvPr id="11267" name="Rectangle 3">
+            <a:extLst>
+              <a:ext uri="{FF2B5EF4-FFF2-40B4-BE49-F238E27FC236}">
+                <a16:creationId xmlns:a16="http://schemas.microsoft.com/office/drawing/2014/main" id="{A8A50E5F-F8E1-E141-B5F0-129A77555082}"/>
+              </a:ext>
+            </a:extLst>
+          </p:cNvPr>
+          <p:cNvSpPr>
+            <a:spLocks noGrp="1" noChangeArrowheads="1"/>
+          </p:cNvSpPr>
+          <p:nvPr>
+            <p:ph type="body" idx="1"/>
+          </p:nvPr>
+        </p:nvSpPr>
+        <p:spPr/>
+        <p:txBody>
+          <a:bodyPr/>
+          <a:lstStyle/>
+          <a:p>
+            <a:r>
+              <a:rPr lang="en-US" altLang="en-US"/>
+              <a:t>Our work begins with the observation that the problems I just  mentioned are all really special cases of the more basic and general question:  is my network experiencing an unusual condition.</a:t>
+            </a:r>
+          </a:p>
+          <a:p>
+            <a:endParaRPr lang="en-US" altLang="en-US"/>
+          </a:p>
+          <a:p>
+            <a:r>
+              <a:rPr lang="en-US" altLang="en-US"/>
+              <a:t>This is a pretty broad and difficult question and so to answer it, we separated it into 3-steps:</a:t>
+            </a:r>
+          </a:p>
+          <a:p>
+            <a:r>
+              <a:rPr lang="en-US" altLang="en-US"/>
+              <a:t>The first step is to detect when something has gone wrong.  </a:t>
+            </a:r>
+          </a:p>
+          <a:p>
+            <a:r>
+              <a:rPr lang="en-US" altLang="en-US"/>
+              <a:t>The next step is to identify what exactly it is,  perhaps an attack or an outage.  </a:t>
+            </a:r>
+          </a:p>
+          <a:p>
+            <a:r>
+              <a:rPr lang="en-US" altLang="en-US"/>
+              <a:t>And the final step is to quantify its impact, and if its great, to alert operators so that the necessary mitigation steps can be taken.</a:t>
+            </a:r>
+          </a:p>
+          <a:p>
+            <a:endParaRPr lang="en-US" altLang="en-US"/>
+          </a:p>
+        </p:txBody>
+      </p:sp>
+    </p:spTree>
+    <p:extLst>
+      <p:ext uri="{BB962C8B-B14F-4D97-AF65-F5344CB8AC3E}">
+        <p14:creationId xmlns:p14="http://schemas.microsoft.com/office/powerpoint/2010/main" val="3063673191"/>
+      </p:ext>
+    </p:extLst>
+  </p:cSld>
+  <p:clrMapOvr>
+    <a:masterClrMapping/>
+  </p:clrMapOvr>
+</p:notes>
+</file>
+
+<file path=ppt/notesSlides/notesSlide8.xml><?xml version="1.0" encoding="utf-8"?>
+<p:notes xmlns:a="http://schemas.openxmlformats.org/drawingml/2006/main" xmlns:r="http://schemas.openxmlformats.org/officeDocument/2006/relationships" xmlns:p="http://schemas.openxmlformats.org/presentationml/2006/main">
+  <p:cSld>
+    <p:spTree>
+      <p:nvGrpSpPr>
+        <p:cNvPr id="1" name=""/>
+        <p:cNvGrpSpPr/>
+        <p:nvPr/>
+      </p:nvGrpSpPr>
+      <p:grpSpPr>
+        <a:xfrm>
+          <a:off x="0" y="0"/>
+          <a:ext cx="0" cy="0"/>
+          <a:chOff x="0" y="0"/>
+          <a:chExt cx="0" cy="0"/>
+        </a:xfrm>
+      </p:grpSpPr>
+      <p:sp>
+        <p:nvSpPr>
+          <p:cNvPr id="7" name="Rectangle 7">
+            <a:extLst>
+              <a:ext uri="{FF2B5EF4-FFF2-40B4-BE49-F238E27FC236}">
                 <a16:creationId xmlns:a16="http://schemas.microsoft.com/office/drawing/2014/main" id="{C61B6313-7712-904A-A337-8E9154203BDC}"/>
               </a:ext>
             </a:extLst>
@@ -1409,6 +1506,93 @@
     <p:extLst>
       <p:ext uri="{BB962C8B-B14F-4D97-AF65-F5344CB8AC3E}">
         <p14:creationId xmlns:p14="http://schemas.microsoft.com/office/powerpoint/2010/main" val="3297079197"/>
+      </p:ext>
+    </p:extLst>
+  </p:cSld>
+  <p:clrMapOvr>
+    <a:masterClrMapping/>
+  </p:clrMapOvr>
+</p:notes>
+</file>
+
+<file path=ppt/notesSlides/notesSlide9.xml><?xml version="1.0" encoding="utf-8"?>
+<p:notes xmlns:a="http://schemas.openxmlformats.org/drawingml/2006/main" xmlns:r="http://schemas.openxmlformats.org/officeDocument/2006/relationships" xmlns:p="http://schemas.openxmlformats.org/presentationml/2006/main">
+  <p:cSld>
+    <p:spTree>
+      <p:nvGrpSpPr>
+        <p:cNvPr id="1" name=""/>
+        <p:cNvGrpSpPr/>
+        <p:nvPr/>
+      </p:nvGrpSpPr>
+      <p:grpSpPr>
+        <a:xfrm>
+          <a:off x="0" y="0"/>
+          <a:ext cx="0" cy="0"/>
+          <a:chOff x="0" y="0"/>
+          <a:chExt cx="0" cy="0"/>
+        </a:xfrm>
+      </p:grpSpPr>
+      <p:sp>
+        <p:nvSpPr>
+          <p:cNvPr id="2" name="Slide Image Placeholder 1"/>
+          <p:cNvSpPr>
+            <a:spLocks noGrp="1" noRot="1" noChangeAspect="1"/>
+          </p:cNvSpPr>
+          <p:nvPr>
+            <p:ph type="sldImg"/>
+          </p:nvPr>
+        </p:nvSpPr>
+        <p:spPr/>
+      </p:sp>
+      <p:sp>
+        <p:nvSpPr>
+          <p:cNvPr id="3" name="Notes Placeholder 2"/>
+          <p:cNvSpPr>
+            <a:spLocks noGrp="1"/>
+          </p:cNvSpPr>
+          <p:nvPr>
+            <p:ph type="body" idx="1"/>
+          </p:nvPr>
+        </p:nvSpPr>
+        <p:spPr/>
+        <p:txBody>
+          <a:bodyPr/>
+          <a:lstStyle/>
+          <a:p>
+            <a:r>
+              <a:rPr lang="en-US" dirty="0"/>
+              <a:t>Add example of application of k-Means clustering in security (+review)</a:t>
+            </a:r>
+          </a:p>
+        </p:txBody>
+      </p:sp>
+      <p:sp>
+        <p:nvSpPr>
+          <p:cNvPr id="4" name="Slide Number Placeholder 3"/>
+          <p:cNvSpPr>
+            <a:spLocks noGrp="1"/>
+          </p:cNvSpPr>
+          <p:nvPr>
+            <p:ph type="sldNum" sz="quarter" idx="5"/>
+          </p:nvPr>
+        </p:nvSpPr>
+        <p:spPr/>
+        <p:txBody>
+          <a:bodyPr/>
+          <a:lstStyle/>
+          <a:p>
+            <a:fld id="{950ED812-2A62-434E-B401-B9DFC63D1DD9}" type="slidenum">
+              <a:rPr lang="en-US" smtClean="0"/>
+              <a:t>15</a:t>
+            </a:fld>
+            <a:endParaRPr lang="en-US"/>
+          </a:p>
+        </p:txBody>
+      </p:sp>
+    </p:spTree>
+    <p:extLst>
+      <p:ext uri="{BB962C8B-B14F-4D97-AF65-F5344CB8AC3E}">
+        <p14:creationId xmlns:p14="http://schemas.microsoft.com/office/powerpoint/2010/main" val="2439703605"/>
       </p:ext>
     </p:extLst>
   </p:cSld>
@@ -4212,7 +4396,7 @@
           <a:p>
             <a:fld id="{2AAA8945-93FC-CD4D-85EF-05021FBA20E6}" type="datetimeFigureOut">
               <a:rPr lang="en-US" smtClean="0"/>
-              <a:t>11/16/20</a:t>
+              <a:t>2/2/21</a:t>
             </a:fld>
             <a:endParaRPr lang="en-US"/>
           </a:p>
@@ -4325,7 +4509,7 @@
           <a:p>
             <a:fld id="{2AAA8945-93FC-CD4D-85EF-05021FBA20E6}" type="datetimeFigureOut">
               <a:rPr lang="en-US" smtClean="0"/>
-              <a:t>11/16/20</a:t>
+              <a:t>2/2/21</a:t>
             </a:fld>
             <a:endParaRPr lang="en-US"/>
           </a:p>
@@ -8590,10 +8774,10 @@
       </p:grpSpPr>
       <p:sp>
         <p:nvSpPr>
-          <p:cNvPr id="4" name="Slide Number Placeholder 3">
-            <a:extLst>
-              <a:ext uri="{FF2B5EF4-FFF2-40B4-BE49-F238E27FC236}">
-                <a16:creationId xmlns:a16="http://schemas.microsoft.com/office/drawing/2014/main" id="{51C15A29-59D6-864A-BD38-489743517A64}"/>
+          <p:cNvPr id="2" name="Slide Number Placeholder 1">
+            <a:extLst>
+              <a:ext uri="{FF2B5EF4-FFF2-40B4-BE49-F238E27FC236}">
+                <a16:creationId xmlns:a16="http://schemas.microsoft.com/office/drawing/2014/main" id="{610D9552-A253-CC4F-BA22-C04EAD10B75B}"/>
               </a:ext>
             </a:extLst>
           </p:cNvPr>
@@ -8613,6 +8797,297 @@
               <a:rPr lang="en-US" smtClean="0"/>
               <a:pPr/>
               <a:t>15</a:t>
+            </a:fld>
+            <a:endParaRPr lang="en-US" dirty="0"/>
+          </a:p>
+        </p:txBody>
+      </p:sp>
+      <p:pic>
+        <p:nvPicPr>
+          <p:cNvPr id="3" name="Picture 2">
+            <a:extLst>
+              <a:ext uri="{FF2B5EF4-FFF2-40B4-BE49-F238E27FC236}">
+                <a16:creationId xmlns:a16="http://schemas.microsoft.com/office/drawing/2014/main" id="{E08BA319-BC26-2B44-9814-B49968F41AB3}"/>
+              </a:ext>
+            </a:extLst>
+          </p:cNvPr>
+          <p:cNvPicPr>
+            <a:picLocks noChangeAspect="1"/>
+          </p:cNvPicPr>
+          <p:nvPr/>
+        </p:nvPicPr>
+        <p:blipFill>
+          <a:blip r:embed="rId3"/>
+          <a:stretch>
+            <a:fillRect/>
+          </a:stretch>
+        </p:blipFill>
+        <p:spPr>
+          <a:xfrm>
+            <a:off x="1224675" y="112064"/>
+            <a:ext cx="9377422" cy="5703858"/>
+          </a:xfrm>
+          <a:prstGeom prst="rect">
+            <a:avLst/>
+          </a:prstGeom>
+        </p:spPr>
+      </p:pic>
+    </p:spTree>
+    <p:extLst>
+      <p:ext uri="{BB962C8B-B14F-4D97-AF65-F5344CB8AC3E}">
+        <p14:creationId xmlns:p14="http://schemas.microsoft.com/office/powerpoint/2010/main" val="1711266213"/>
+      </p:ext>
+    </p:extLst>
+  </p:cSld>
+  <p:clrMapOvr>
+    <a:masterClrMapping/>
+  </p:clrMapOvr>
+</p:sld>
+</file>
+
+<file path=ppt/slides/slide16.xml><?xml version="1.0" encoding="utf-8"?>
+<p:sld xmlns:a="http://schemas.openxmlformats.org/drawingml/2006/main" xmlns:r="http://schemas.openxmlformats.org/officeDocument/2006/relationships" xmlns:p="http://schemas.openxmlformats.org/presentationml/2006/main">
+  <p:cSld>
+    <p:spTree>
+      <p:nvGrpSpPr>
+        <p:cNvPr id="1" name=""/>
+        <p:cNvGrpSpPr/>
+        <p:nvPr/>
+      </p:nvGrpSpPr>
+      <p:grpSpPr>
+        <a:xfrm>
+          <a:off x="0" y="0"/>
+          <a:ext cx="0" cy="0"/>
+          <a:chOff x="0" y="0"/>
+          <a:chExt cx="0" cy="0"/>
+        </a:xfrm>
+      </p:grpSpPr>
+      <p:sp>
+        <p:nvSpPr>
+          <p:cNvPr id="6" name="Title 5">
+            <a:extLst>
+              <a:ext uri="{FF2B5EF4-FFF2-40B4-BE49-F238E27FC236}">
+                <a16:creationId xmlns:a16="http://schemas.microsoft.com/office/drawing/2014/main" id="{9CA8E438-DEBA-4544-A50E-0973EC7ECEAA}"/>
+              </a:ext>
+            </a:extLst>
+          </p:cNvPr>
+          <p:cNvSpPr>
+            <a:spLocks noGrp="1"/>
+          </p:cNvSpPr>
+          <p:nvPr>
+            <p:ph type="title"/>
+          </p:nvPr>
+        </p:nvSpPr>
+        <p:spPr/>
+        <p:txBody>
+          <a:bodyPr/>
+          <a:lstStyle/>
+          <a:p>
+            <a:r>
+              <a:rPr lang="en-US" dirty="0"/>
+              <a:t>Application of K-Means: Example </a:t>
+            </a:r>
+          </a:p>
+        </p:txBody>
+      </p:sp>
+      <p:sp>
+        <p:nvSpPr>
+          <p:cNvPr id="7" name="Content Placeholder 6">
+            <a:extLst>
+              <a:ext uri="{FF2B5EF4-FFF2-40B4-BE49-F238E27FC236}">
+                <a16:creationId xmlns:a16="http://schemas.microsoft.com/office/drawing/2014/main" id="{FBE61256-2738-BD46-A1AD-D9A4F611922A}"/>
+              </a:ext>
+            </a:extLst>
+          </p:cNvPr>
+          <p:cNvSpPr>
+            <a:spLocks noGrp="1"/>
+          </p:cNvSpPr>
+          <p:nvPr>
+            <p:ph idx="1"/>
+          </p:nvPr>
+        </p:nvSpPr>
+        <p:spPr/>
+        <p:txBody>
+          <a:bodyPr/>
+          <a:lstStyle/>
+          <a:p>
+            <a:endParaRPr lang="en-US"/>
+          </a:p>
+        </p:txBody>
+      </p:sp>
+      <p:sp>
+        <p:nvSpPr>
+          <p:cNvPr id="2" name="Slide Number Placeholder 1">
+            <a:extLst>
+              <a:ext uri="{FF2B5EF4-FFF2-40B4-BE49-F238E27FC236}">
+                <a16:creationId xmlns:a16="http://schemas.microsoft.com/office/drawing/2014/main" id="{838B88D8-8BEE-BB42-B262-C86392E45B5C}"/>
+              </a:ext>
+            </a:extLst>
+          </p:cNvPr>
+          <p:cNvSpPr>
+            <a:spLocks noGrp="1"/>
+          </p:cNvSpPr>
+          <p:nvPr>
+            <p:ph type="sldNum" sz="quarter" idx="12"/>
+          </p:nvPr>
+        </p:nvSpPr>
+        <p:spPr/>
+        <p:txBody>
+          <a:bodyPr/>
+          <a:lstStyle/>
+          <a:p>
+            <a:fld id="{256CE055-ECFD-9048-9FD8-7E2D8656A4F7}" type="slidenum">
+              <a:rPr lang="en-US" smtClean="0"/>
+              <a:pPr/>
+              <a:t>16</a:t>
+            </a:fld>
+            <a:endParaRPr lang="en-US" dirty="0"/>
+          </a:p>
+        </p:txBody>
+      </p:sp>
+    </p:spTree>
+    <p:extLst>
+      <p:ext uri="{BB962C8B-B14F-4D97-AF65-F5344CB8AC3E}">
+        <p14:creationId xmlns:p14="http://schemas.microsoft.com/office/powerpoint/2010/main" val="1806080456"/>
+      </p:ext>
+    </p:extLst>
+  </p:cSld>
+  <p:clrMapOvr>
+    <a:masterClrMapping/>
+  </p:clrMapOvr>
+</p:sld>
+</file>
+
+<file path=ppt/slides/slide17.xml><?xml version="1.0" encoding="utf-8"?>
+<p:sld xmlns:a="http://schemas.openxmlformats.org/drawingml/2006/main" xmlns:r="http://schemas.openxmlformats.org/officeDocument/2006/relationships" xmlns:p="http://schemas.openxmlformats.org/presentationml/2006/main">
+  <p:cSld>
+    <p:spTree>
+      <p:nvGrpSpPr>
+        <p:cNvPr id="1" name=""/>
+        <p:cNvGrpSpPr/>
+        <p:nvPr/>
+      </p:nvGrpSpPr>
+      <p:grpSpPr>
+        <a:xfrm>
+          <a:off x="0" y="0"/>
+          <a:ext cx="0" cy="0"/>
+          <a:chOff x="0" y="0"/>
+          <a:chExt cx="0" cy="0"/>
+        </a:xfrm>
+      </p:grpSpPr>
+      <p:sp>
+        <p:nvSpPr>
+          <p:cNvPr id="6" name="Title 5">
+            <a:extLst>
+              <a:ext uri="{FF2B5EF4-FFF2-40B4-BE49-F238E27FC236}">
+                <a16:creationId xmlns:a16="http://schemas.microsoft.com/office/drawing/2014/main" id="{8D16E02D-089D-004E-A874-7D6297A1C258}"/>
+              </a:ext>
+            </a:extLst>
+          </p:cNvPr>
+          <p:cNvSpPr>
+            <a:spLocks noGrp="1"/>
+          </p:cNvSpPr>
+          <p:nvPr>
+            <p:ph type="title"/>
+          </p:nvPr>
+        </p:nvSpPr>
+        <p:spPr/>
+        <p:txBody>
+          <a:bodyPr/>
+          <a:lstStyle/>
+          <a:p>
+            <a:r>
+              <a:rPr lang="en-US" dirty="0"/>
+              <a:t>Other Clustering Algorithms and Applications</a:t>
+            </a:r>
+          </a:p>
+        </p:txBody>
+      </p:sp>
+      <p:sp>
+        <p:nvSpPr>
+          <p:cNvPr id="5" name="Slide Number Placeholder 4">
+            <a:extLst>
+              <a:ext uri="{FF2B5EF4-FFF2-40B4-BE49-F238E27FC236}">
+                <a16:creationId xmlns:a16="http://schemas.microsoft.com/office/drawing/2014/main" id="{E06E2ABA-AA54-3E4F-8DA3-EA2BEA6A66C9}"/>
+              </a:ext>
+            </a:extLst>
+          </p:cNvPr>
+          <p:cNvSpPr>
+            <a:spLocks noGrp="1"/>
+          </p:cNvSpPr>
+          <p:nvPr>
+            <p:ph type="sldNum" sz="quarter" idx="12"/>
+          </p:nvPr>
+        </p:nvSpPr>
+        <p:spPr/>
+        <p:txBody>
+          <a:bodyPr/>
+          <a:lstStyle/>
+          <a:p>
+            <a:fld id="{256CE055-ECFD-9048-9FD8-7E2D8656A4F7}" type="slidenum">
+              <a:rPr lang="en-US" smtClean="0"/>
+              <a:pPr/>
+              <a:t>17</a:t>
+            </a:fld>
+            <a:endParaRPr lang="en-US" dirty="0"/>
+          </a:p>
+        </p:txBody>
+      </p:sp>
+    </p:spTree>
+    <p:extLst>
+      <p:ext uri="{BB962C8B-B14F-4D97-AF65-F5344CB8AC3E}">
+        <p14:creationId xmlns:p14="http://schemas.microsoft.com/office/powerpoint/2010/main" val="4118395299"/>
+      </p:ext>
+    </p:extLst>
+  </p:cSld>
+  <p:clrMapOvr>
+    <a:masterClrMapping/>
+  </p:clrMapOvr>
+</p:sld>
+</file>
+
+<file path=ppt/slides/slide18.xml><?xml version="1.0" encoding="utf-8"?>
+<p:sld xmlns:a="http://schemas.openxmlformats.org/drawingml/2006/main" xmlns:r="http://schemas.openxmlformats.org/officeDocument/2006/relationships" xmlns:p="http://schemas.openxmlformats.org/presentationml/2006/main">
+  <p:cSld>
+    <p:spTree>
+      <p:nvGrpSpPr>
+        <p:cNvPr id="1" name=""/>
+        <p:cNvGrpSpPr/>
+        <p:nvPr/>
+      </p:nvGrpSpPr>
+      <p:grpSpPr>
+        <a:xfrm>
+          <a:off x="0" y="0"/>
+          <a:ext cx="0" cy="0"/>
+          <a:chOff x="0" y="0"/>
+          <a:chExt cx="0" cy="0"/>
+        </a:xfrm>
+      </p:grpSpPr>
+      <p:sp>
+        <p:nvSpPr>
+          <p:cNvPr id="4" name="Slide Number Placeholder 3">
+            <a:extLst>
+              <a:ext uri="{FF2B5EF4-FFF2-40B4-BE49-F238E27FC236}">
+                <a16:creationId xmlns:a16="http://schemas.microsoft.com/office/drawing/2014/main" id="{51C15A29-59D6-864A-BD38-489743517A64}"/>
+              </a:ext>
+            </a:extLst>
+          </p:cNvPr>
+          <p:cNvSpPr>
+            <a:spLocks noGrp="1"/>
+          </p:cNvSpPr>
+          <p:nvPr>
+            <p:ph type="sldNum" sz="quarter" idx="12"/>
+          </p:nvPr>
+        </p:nvSpPr>
+        <p:spPr/>
+        <p:txBody>
+          <a:bodyPr/>
+          <a:lstStyle/>
+          <a:p>
+            <a:fld id="{256CE055-ECFD-9048-9FD8-7E2D8656A4F7}" type="slidenum">
+              <a:rPr lang="en-US" smtClean="0"/>
+              <a:pPr/>
+              <a:t>18</a:t>
             </a:fld>
             <a:endParaRPr lang="en-US" dirty="0"/>
           </a:p>
@@ -8661,7 +9136,7 @@
 </p:sld>
 </file>
 
-<file path=ppt/slides/slide16.xml><?xml version="1.0" encoding="utf-8"?>
+<file path=ppt/slides/slide19.xml><?xml version="1.0" encoding="utf-8"?>
 <p:sld xmlns:a="http://schemas.openxmlformats.org/drawingml/2006/main" xmlns:r="http://schemas.openxmlformats.org/officeDocument/2006/relationships" xmlns:p="http://schemas.openxmlformats.org/presentationml/2006/main">
   <p:cSld>
     <p:spTree>
@@ -8683,7 +9158,7 @@
           <p:cNvPr id="2" name="Slide Number Placeholder 1">
             <a:extLst>
               <a:ext uri="{FF2B5EF4-FFF2-40B4-BE49-F238E27FC236}">
-                <a16:creationId xmlns:a16="http://schemas.microsoft.com/office/drawing/2014/main" id="{610D9552-A253-CC4F-BA22-C04EAD10B75B}"/>
+                <a16:creationId xmlns:a16="http://schemas.microsoft.com/office/drawing/2014/main" id="{90ACD119-AB72-9D4F-B0C4-F70D401387ED}"/>
               </a:ext>
             </a:extLst>
           </p:cNvPr>
@@ -8702,187 +9177,7 @@
             <a:fld id="{256CE055-ECFD-9048-9FD8-7E2D8656A4F7}" type="slidenum">
               <a:rPr lang="en-US" smtClean="0"/>
               <a:pPr/>
-              <a:t>16</a:t>
-            </a:fld>
-            <a:endParaRPr lang="en-US" dirty="0"/>
-          </a:p>
-        </p:txBody>
-      </p:sp>
-      <p:pic>
-        <p:nvPicPr>
-          <p:cNvPr id="3" name="Picture 2">
-            <a:extLst>
-              <a:ext uri="{FF2B5EF4-FFF2-40B4-BE49-F238E27FC236}">
-                <a16:creationId xmlns:a16="http://schemas.microsoft.com/office/drawing/2014/main" id="{E08BA319-BC26-2B44-9814-B49968F41AB3}"/>
-              </a:ext>
-            </a:extLst>
-          </p:cNvPr>
-          <p:cNvPicPr>
-            <a:picLocks noChangeAspect="1"/>
-          </p:cNvPicPr>
-          <p:nvPr/>
-        </p:nvPicPr>
-        <p:blipFill>
-          <a:blip r:embed="rId2"/>
-          <a:stretch>
-            <a:fillRect/>
-          </a:stretch>
-        </p:blipFill>
-        <p:spPr>
-          <a:xfrm>
-            <a:off x="1224675" y="112064"/>
-            <a:ext cx="9377422" cy="5703858"/>
-          </a:xfrm>
-          <a:prstGeom prst="rect">
-            <a:avLst/>
-          </a:prstGeom>
-        </p:spPr>
-      </p:pic>
-    </p:spTree>
-    <p:extLst>
-      <p:ext uri="{BB962C8B-B14F-4D97-AF65-F5344CB8AC3E}">
-        <p14:creationId xmlns:p14="http://schemas.microsoft.com/office/powerpoint/2010/main" val="1711266213"/>
-      </p:ext>
-    </p:extLst>
-  </p:cSld>
-  <p:clrMapOvr>
-    <a:masterClrMapping/>
-  </p:clrMapOvr>
-</p:sld>
-</file>
-
-<file path=ppt/slides/slide17.xml><?xml version="1.0" encoding="utf-8"?>
-<p:sld xmlns:a="http://schemas.openxmlformats.org/drawingml/2006/main" xmlns:r="http://schemas.openxmlformats.org/officeDocument/2006/relationships" xmlns:p="http://schemas.openxmlformats.org/presentationml/2006/main">
-  <p:cSld>
-    <p:spTree>
-      <p:nvGrpSpPr>
-        <p:cNvPr id="1" name=""/>
-        <p:cNvGrpSpPr/>
-        <p:nvPr/>
-      </p:nvGrpSpPr>
-      <p:grpSpPr>
-        <a:xfrm>
-          <a:off x="0" y="0"/>
-          <a:ext cx="0" cy="0"/>
-          <a:chOff x="0" y="0"/>
-          <a:chExt cx="0" cy="0"/>
-        </a:xfrm>
-      </p:grpSpPr>
-      <p:sp>
-        <p:nvSpPr>
-          <p:cNvPr id="2" name="Slide Number Placeholder 1">
-            <a:extLst>
-              <a:ext uri="{FF2B5EF4-FFF2-40B4-BE49-F238E27FC236}">
-                <a16:creationId xmlns:a16="http://schemas.microsoft.com/office/drawing/2014/main" id="{332F4177-BB9D-4E41-9F87-016146AE5CFE}"/>
-              </a:ext>
-            </a:extLst>
-          </p:cNvPr>
-          <p:cNvSpPr>
-            <a:spLocks noGrp="1"/>
-          </p:cNvSpPr>
-          <p:nvPr>
-            <p:ph type="sldNum" sz="quarter" idx="12"/>
-          </p:nvPr>
-        </p:nvSpPr>
-        <p:spPr/>
-        <p:txBody>
-          <a:bodyPr/>
-          <a:lstStyle/>
-          <a:p>
-            <a:fld id="{256CE055-ECFD-9048-9FD8-7E2D8656A4F7}" type="slidenum">
-              <a:rPr lang="en-US" smtClean="0"/>
-              <a:pPr/>
-              <a:t>17</a:t>
-            </a:fld>
-            <a:endParaRPr lang="en-US" dirty="0"/>
-          </a:p>
-        </p:txBody>
-      </p:sp>
-      <p:pic>
-        <p:nvPicPr>
-          <p:cNvPr id="3" name="Picture 2">
-            <a:extLst>
-              <a:ext uri="{FF2B5EF4-FFF2-40B4-BE49-F238E27FC236}">
-                <a16:creationId xmlns:a16="http://schemas.microsoft.com/office/drawing/2014/main" id="{8EAE9E66-8C5A-5944-91FA-24E7D7DC9410}"/>
-              </a:ext>
-            </a:extLst>
-          </p:cNvPr>
-          <p:cNvPicPr>
-            <a:picLocks noChangeAspect="1"/>
-          </p:cNvPicPr>
-          <p:nvPr/>
-        </p:nvPicPr>
-        <p:blipFill>
-          <a:blip r:embed="rId2"/>
-          <a:stretch>
-            <a:fillRect/>
-          </a:stretch>
-        </p:blipFill>
-        <p:spPr>
-          <a:xfrm>
-            <a:off x="568411" y="71852"/>
-            <a:ext cx="10565027" cy="5924040"/>
-          </a:xfrm>
-          <a:prstGeom prst="rect">
-            <a:avLst/>
-          </a:prstGeom>
-        </p:spPr>
-      </p:pic>
-    </p:spTree>
-    <p:extLst>
-      <p:ext uri="{BB962C8B-B14F-4D97-AF65-F5344CB8AC3E}">
-        <p14:creationId xmlns:p14="http://schemas.microsoft.com/office/powerpoint/2010/main" val="834925869"/>
-      </p:ext>
-    </p:extLst>
-  </p:cSld>
-  <p:clrMapOvr>
-    <a:masterClrMapping/>
-  </p:clrMapOvr>
-</p:sld>
-</file>
-
-<file path=ppt/slides/slide18.xml><?xml version="1.0" encoding="utf-8"?>
-<p:sld xmlns:a="http://schemas.openxmlformats.org/drawingml/2006/main" xmlns:r="http://schemas.openxmlformats.org/officeDocument/2006/relationships" xmlns:p="http://schemas.openxmlformats.org/presentationml/2006/main">
-  <p:cSld>
-    <p:spTree>
-      <p:nvGrpSpPr>
-        <p:cNvPr id="1" name=""/>
-        <p:cNvGrpSpPr/>
-        <p:nvPr/>
-      </p:nvGrpSpPr>
-      <p:grpSpPr>
-        <a:xfrm>
-          <a:off x="0" y="0"/>
-          <a:ext cx="0" cy="0"/>
-          <a:chOff x="0" y="0"/>
-          <a:chExt cx="0" cy="0"/>
-        </a:xfrm>
-      </p:grpSpPr>
-      <p:sp>
-        <p:nvSpPr>
-          <p:cNvPr id="2" name="Slide Number Placeholder 1">
-            <a:extLst>
-              <a:ext uri="{FF2B5EF4-FFF2-40B4-BE49-F238E27FC236}">
-                <a16:creationId xmlns:a16="http://schemas.microsoft.com/office/drawing/2014/main" id="{90ACD119-AB72-9D4F-B0C4-F70D401387ED}"/>
-              </a:ext>
-            </a:extLst>
-          </p:cNvPr>
-          <p:cNvSpPr>
-            <a:spLocks noGrp="1"/>
-          </p:cNvSpPr>
-          <p:nvPr>
-            <p:ph type="sldNum" sz="quarter" idx="12"/>
-          </p:nvPr>
-        </p:nvSpPr>
-        <p:spPr/>
-        <p:txBody>
-          <a:bodyPr/>
-          <a:lstStyle/>
-          <a:p>
-            <a:fld id="{256CE055-ECFD-9048-9FD8-7E2D8656A4F7}" type="slidenum">
-              <a:rPr lang="en-US" smtClean="0"/>
-              <a:pPr/>
-              <a:t>18</a:t>
+              <a:t>19</a:t>
             </a:fld>
             <a:endParaRPr lang="en-US" dirty="0"/>
           </a:p>
@@ -8989,6 +9284,96 @@
 </p:sld>
 </file>
 
+<file path=ppt/slides/slide20.xml><?xml version="1.0" encoding="utf-8"?>
+<p:sld xmlns:a="http://schemas.openxmlformats.org/drawingml/2006/main" xmlns:r="http://schemas.openxmlformats.org/officeDocument/2006/relationships" xmlns:p="http://schemas.openxmlformats.org/presentationml/2006/main" show="0">
+  <p:cSld>
+    <p:spTree>
+      <p:nvGrpSpPr>
+        <p:cNvPr id="1" name=""/>
+        <p:cNvGrpSpPr/>
+        <p:nvPr/>
+      </p:nvGrpSpPr>
+      <p:grpSpPr>
+        <a:xfrm>
+          <a:off x="0" y="0"/>
+          <a:ext cx="0" cy="0"/>
+          <a:chOff x="0" y="0"/>
+          <a:chExt cx="0" cy="0"/>
+        </a:xfrm>
+      </p:grpSpPr>
+      <p:sp>
+        <p:nvSpPr>
+          <p:cNvPr id="2" name="Slide Number Placeholder 1">
+            <a:extLst>
+              <a:ext uri="{FF2B5EF4-FFF2-40B4-BE49-F238E27FC236}">
+                <a16:creationId xmlns:a16="http://schemas.microsoft.com/office/drawing/2014/main" id="{332F4177-BB9D-4E41-9F87-016146AE5CFE}"/>
+              </a:ext>
+            </a:extLst>
+          </p:cNvPr>
+          <p:cNvSpPr>
+            <a:spLocks noGrp="1"/>
+          </p:cNvSpPr>
+          <p:nvPr>
+            <p:ph type="sldNum" sz="quarter" idx="12"/>
+          </p:nvPr>
+        </p:nvSpPr>
+        <p:spPr/>
+        <p:txBody>
+          <a:bodyPr/>
+          <a:lstStyle/>
+          <a:p>
+            <a:fld id="{256CE055-ECFD-9048-9FD8-7E2D8656A4F7}" type="slidenum">
+              <a:rPr lang="en-US" smtClean="0"/>
+              <a:pPr/>
+              <a:t>20</a:t>
+            </a:fld>
+            <a:endParaRPr lang="en-US" dirty="0"/>
+          </a:p>
+        </p:txBody>
+      </p:sp>
+      <p:pic>
+        <p:nvPicPr>
+          <p:cNvPr id="3" name="Picture 2">
+            <a:extLst>
+              <a:ext uri="{FF2B5EF4-FFF2-40B4-BE49-F238E27FC236}">
+                <a16:creationId xmlns:a16="http://schemas.microsoft.com/office/drawing/2014/main" id="{8EAE9E66-8C5A-5944-91FA-24E7D7DC9410}"/>
+              </a:ext>
+            </a:extLst>
+          </p:cNvPr>
+          <p:cNvPicPr>
+            <a:picLocks noChangeAspect="1"/>
+          </p:cNvPicPr>
+          <p:nvPr/>
+        </p:nvPicPr>
+        <p:blipFill>
+          <a:blip r:embed="rId2"/>
+          <a:stretch>
+            <a:fillRect/>
+          </a:stretch>
+        </p:blipFill>
+        <p:spPr>
+          <a:xfrm>
+            <a:off x="568411" y="71852"/>
+            <a:ext cx="10565027" cy="5924040"/>
+          </a:xfrm>
+          <a:prstGeom prst="rect">
+            <a:avLst/>
+          </a:prstGeom>
+        </p:spPr>
+      </p:pic>
+    </p:spTree>
+    <p:extLst>
+      <p:ext uri="{BB962C8B-B14F-4D97-AF65-F5344CB8AC3E}">
+        <p14:creationId xmlns:p14="http://schemas.microsoft.com/office/powerpoint/2010/main" val="834925869"/>
+      </p:ext>
+    </p:extLst>
+  </p:cSld>
+  <p:clrMapOvr>
+    <a:masterClrMapping/>
+  </p:clrMapOvr>
+</p:sld>
+</file>
+
 <file path=ppt/slides/slide3.xml><?xml version="1.0" encoding="utf-8"?>
 <p:sld xmlns:a="http://schemas.openxmlformats.org/drawingml/2006/main" xmlns:r="http://schemas.openxmlformats.org/officeDocument/2006/relationships" xmlns:p="http://schemas.openxmlformats.org/presentationml/2006/main">
   <p:cSld>
@@ -9171,7 +9556,7 @@
           <p:nvPr/>
         </p:nvPicPr>
         <p:blipFill>
-          <a:blip r:embed="rId2"/>
+          <a:blip r:embed="rId3"/>
           <a:stretch>
             <a:fillRect/>
           </a:stretch>
@@ -9200,7 +9585,7 @@
 </file>
 
 <file path=ppt/slides/slide5.xml><?xml version="1.0" encoding="utf-8"?>
-<p:sld xmlns:a="http://schemas.openxmlformats.org/drawingml/2006/main" xmlns:r="http://schemas.openxmlformats.org/officeDocument/2006/relationships" xmlns:p="http://schemas.openxmlformats.org/presentationml/2006/main">
+<p:sld xmlns:a="http://schemas.openxmlformats.org/drawingml/2006/main" xmlns:r="http://schemas.openxmlformats.org/officeDocument/2006/relationships" xmlns:p="http://schemas.openxmlformats.org/presentationml/2006/main" show="0">
   <p:cSld>
     <p:spTree>
       <p:nvGrpSpPr>
